--- a/OSP.pptx
+++ b/OSP.pptx
@@ -104,6 +104,11 @@
       </a:defRPr>
     </a:lvl9pPr>
   </p:defaultTextStyle>
+  <p:extLst>
+    <p:ext uri="{EFAFB233-063F-42B5-8137-9DF3F51BA10A}">
+      <p15:sldGuideLst xmlns:p15="http://schemas.microsoft.com/office/powerpoint/2012/main"/>
+    </p:ext>
+  </p:extLst>
 </p:presentation>
 </file>
 
@@ -149,7 +154,7 @@
           </a:lstStyle>
           <a:p>
             <a:r>
-              <a:rPr lang="pt-BR" smtClean="0"/>
+              <a:rPr lang="pt-BR"/>
               <a:t>Clique para editar estilo do título mestre</a:t>
             </a:r>
             <a:endParaRPr lang="en-US" dirty="0"/>
@@ -214,7 +219,7 @@
           </a:lstStyle>
           <a:p>
             <a:r>
-              <a:rPr lang="pt-BR" smtClean="0"/>
+              <a:rPr lang="pt-BR"/>
               <a:t>Clique para editar o estilo do subtítulo mestre</a:t>
             </a:r>
             <a:endParaRPr lang="en-US" dirty="0"/>
@@ -238,7 +243,7 @@
           <a:p>
             <a:fld id="{A2012631-E70B-D040-BE44-60C2DACBB81E}" type="datetimeFigureOut">
               <a:rPr lang="pt-BR" smtClean="0"/>
-              <a:t>05/09/2019</a:t>
+              <a:t>07/09/2019</a:t>
             </a:fld>
             <a:endParaRPr lang="pt-BR"/>
           </a:p>
@@ -280,7 +285,7 @@
           <a:p>
             <a:fld id="{FA791A00-6D8C-5341-8E22-21E34B293C4C}" type="slidenum">
               <a:rPr lang="pt-BR" smtClean="0"/>
-              <a:t>‹n.º›</a:t>
+              <a:t>‹nº›</a:t>
             </a:fld>
             <a:endParaRPr lang="pt-BR"/>
           </a:p>
@@ -332,7 +337,7 @@
           <a:lstStyle/>
           <a:p>
             <a:r>
-              <a:rPr lang="pt-BR" smtClean="0"/>
+              <a:rPr lang="pt-BR"/>
               <a:t>Clique para editar estilo do título mestre</a:t>
             </a:r>
             <a:endParaRPr lang="en-US" dirty="0"/>
@@ -356,35 +361,35 @@
           <a:p>
             <a:pPr lvl="0"/>
             <a:r>
-              <a:rPr lang="pt-BR" smtClean="0"/>
+              <a:rPr lang="pt-BR"/>
               <a:t>Clique para editar os estilos de texto mestres</a:t>
             </a:r>
           </a:p>
           <a:p>
             <a:pPr lvl="1"/>
             <a:r>
-              <a:rPr lang="pt-BR" smtClean="0"/>
+              <a:rPr lang="pt-BR"/>
               <a:t>Segundo nível</a:t>
             </a:r>
           </a:p>
           <a:p>
             <a:pPr lvl="2"/>
             <a:r>
-              <a:rPr lang="pt-BR" smtClean="0"/>
+              <a:rPr lang="pt-BR"/>
               <a:t>Terceiro nível</a:t>
             </a:r>
           </a:p>
           <a:p>
             <a:pPr lvl="3"/>
             <a:r>
-              <a:rPr lang="pt-BR" smtClean="0"/>
+              <a:rPr lang="pt-BR"/>
               <a:t>Quarto nível</a:t>
             </a:r>
           </a:p>
           <a:p>
             <a:pPr lvl="4"/>
             <a:r>
-              <a:rPr lang="pt-BR" smtClean="0"/>
+              <a:rPr lang="pt-BR"/>
               <a:t>Quinto nível</a:t>
             </a:r>
             <a:endParaRPr lang="en-US" dirty="0"/>
@@ -408,7 +413,7 @@
           <a:p>
             <a:fld id="{A2012631-E70B-D040-BE44-60C2DACBB81E}" type="datetimeFigureOut">
               <a:rPr lang="pt-BR" smtClean="0"/>
-              <a:t>05/09/2019</a:t>
+              <a:t>07/09/2019</a:t>
             </a:fld>
             <a:endParaRPr lang="pt-BR"/>
           </a:p>
@@ -450,7 +455,7 @@
           <a:p>
             <a:fld id="{FA791A00-6D8C-5341-8E22-21E34B293C4C}" type="slidenum">
               <a:rPr lang="pt-BR" smtClean="0"/>
-              <a:t>‹n.º›</a:t>
+              <a:t>‹nº›</a:t>
             </a:fld>
             <a:endParaRPr lang="pt-BR"/>
           </a:p>
@@ -507,7 +512,7 @@
           <a:lstStyle/>
           <a:p>
             <a:r>
-              <a:rPr lang="pt-BR" smtClean="0"/>
+              <a:rPr lang="pt-BR"/>
               <a:t>Clique para editar estilo do título mestre</a:t>
             </a:r>
             <a:endParaRPr lang="en-US" dirty="0"/>
@@ -536,35 +541,35 @@
           <a:p>
             <a:pPr lvl="0"/>
             <a:r>
-              <a:rPr lang="pt-BR" smtClean="0"/>
+              <a:rPr lang="pt-BR"/>
               <a:t>Clique para editar os estilos de texto mestres</a:t>
             </a:r>
           </a:p>
           <a:p>
             <a:pPr lvl="1"/>
             <a:r>
-              <a:rPr lang="pt-BR" smtClean="0"/>
+              <a:rPr lang="pt-BR"/>
               <a:t>Segundo nível</a:t>
             </a:r>
           </a:p>
           <a:p>
             <a:pPr lvl="2"/>
             <a:r>
-              <a:rPr lang="pt-BR" smtClean="0"/>
+              <a:rPr lang="pt-BR"/>
               <a:t>Terceiro nível</a:t>
             </a:r>
           </a:p>
           <a:p>
             <a:pPr lvl="3"/>
             <a:r>
-              <a:rPr lang="pt-BR" smtClean="0"/>
+              <a:rPr lang="pt-BR"/>
               <a:t>Quarto nível</a:t>
             </a:r>
           </a:p>
           <a:p>
             <a:pPr lvl="4"/>
             <a:r>
-              <a:rPr lang="pt-BR" smtClean="0"/>
+              <a:rPr lang="pt-BR"/>
               <a:t>Quinto nível</a:t>
             </a:r>
             <a:endParaRPr lang="en-US" dirty="0"/>
@@ -588,7 +593,7 @@
           <a:p>
             <a:fld id="{A2012631-E70B-D040-BE44-60C2DACBB81E}" type="datetimeFigureOut">
               <a:rPr lang="pt-BR" smtClean="0"/>
-              <a:t>05/09/2019</a:t>
+              <a:t>07/09/2019</a:t>
             </a:fld>
             <a:endParaRPr lang="pt-BR"/>
           </a:p>
@@ -630,7 +635,7 @@
           <a:p>
             <a:fld id="{FA791A00-6D8C-5341-8E22-21E34B293C4C}" type="slidenum">
               <a:rPr lang="pt-BR" smtClean="0"/>
-              <a:t>‹n.º›</a:t>
+              <a:t>‹nº›</a:t>
             </a:fld>
             <a:endParaRPr lang="pt-BR"/>
           </a:p>
@@ -682,7 +687,7 @@
           <a:lstStyle/>
           <a:p>
             <a:r>
-              <a:rPr lang="pt-BR" smtClean="0"/>
+              <a:rPr lang="pt-BR"/>
               <a:t>Clique para editar estilo do título mestre</a:t>
             </a:r>
             <a:endParaRPr lang="en-US" dirty="0"/>
@@ -706,35 +711,35 @@
           <a:p>
             <a:pPr lvl="0"/>
             <a:r>
-              <a:rPr lang="pt-BR" smtClean="0"/>
+              <a:rPr lang="pt-BR"/>
               <a:t>Clique para editar os estilos de texto mestres</a:t>
             </a:r>
           </a:p>
           <a:p>
             <a:pPr lvl="1"/>
             <a:r>
-              <a:rPr lang="pt-BR" smtClean="0"/>
+              <a:rPr lang="pt-BR"/>
               <a:t>Segundo nível</a:t>
             </a:r>
           </a:p>
           <a:p>
             <a:pPr lvl="2"/>
             <a:r>
-              <a:rPr lang="pt-BR" smtClean="0"/>
+              <a:rPr lang="pt-BR"/>
               <a:t>Terceiro nível</a:t>
             </a:r>
           </a:p>
           <a:p>
             <a:pPr lvl="3"/>
             <a:r>
-              <a:rPr lang="pt-BR" smtClean="0"/>
+              <a:rPr lang="pt-BR"/>
               <a:t>Quarto nível</a:t>
             </a:r>
           </a:p>
           <a:p>
             <a:pPr lvl="4"/>
             <a:r>
-              <a:rPr lang="pt-BR" smtClean="0"/>
+              <a:rPr lang="pt-BR"/>
               <a:t>Quinto nível</a:t>
             </a:r>
             <a:endParaRPr lang="en-US" dirty="0"/>
@@ -758,7 +763,7 @@
           <a:p>
             <a:fld id="{A2012631-E70B-D040-BE44-60C2DACBB81E}" type="datetimeFigureOut">
               <a:rPr lang="pt-BR" smtClean="0"/>
-              <a:t>05/09/2019</a:t>
+              <a:t>07/09/2019</a:t>
             </a:fld>
             <a:endParaRPr lang="pt-BR"/>
           </a:p>
@@ -800,7 +805,7 @@
           <a:p>
             <a:fld id="{FA791A00-6D8C-5341-8E22-21E34B293C4C}" type="slidenum">
               <a:rPr lang="pt-BR" smtClean="0"/>
-              <a:t>‹n.º›</a:t>
+              <a:t>‹nº›</a:t>
             </a:fld>
             <a:endParaRPr lang="pt-BR"/>
           </a:p>
@@ -861,7 +866,7 @@
           </a:lstStyle>
           <a:p>
             <a:r>
-              <a:rPr lang="pt-BR" smtClean="0"/>
+              <a:rPr lang="pt-BR"/>
               <a:t>Clique para editar estilo do título mestre</a:t>
             </a:r>
             <a:endParaRPr lang="en-US" dirty="0"/>
@@ -979,7 +984,7 @@
           <a:p>
             <a:pPr lvl="0"/>
             <a:r>
-              <a:rPr lang="pt-BR" smtClean="0"/>
+              <a:rPr lang="pt-BR"/>
               <a:t>Clique para editar os estilos de texto mestres</a:t>
             </a:r>
           </a:p>
@@ -1002,7 +1007,7 @@
           <a:p>
             <a:fld id="{A2012631-E70B-D040-BE44-60C2DACBB81E}" type="datetimeFigureOut">
               <a:rPr lang="pt-BR" smtClean="0"/>
-              <a:t>05/09/2019</a:t>
+              <a:t>07/09/2019</a:t>
             </a:fld>
             <a:endParaRPr lang="pt-BR"/>
           </a:p>
@@ -1044,7 +1049,7 @@
           <a:p>
             <a:fld id="{FA791A00-6D8C-5341-8E22-21E34B293C4C}" type="slidenum">
               <a:rPr lang="pt-BR" smtClean="0"/>
-              <a:t>‹n.º›</a:t>
+              <a:t>‹nº›</a:t>
             </a:fld>
             <a:endParaRPr lang="pt-BR"/>
           </a:p>
@@ -1096,7 +1101,7 @@
           <a:lstStyle/>
           <a:p>
             <a:r>
-              <a:rPr lang="pt-BR" smtClean="0"/>
+              <a:rPr lang="pt-BR"/>
               <a:t>Clique para editar estilo do título mestre</a:t>
             </a:r>
             <a:endParaRPr lang="en-US" dirty="0"/>
@@ -1125,35 +1130,35 @@
           <a:p>
             <a:pPr lvl="0"/>
             <a:r>
-              <a:rPr lang="pt-BR" smtClean="0"/>
+              <a:rPr lang="pt-BR"/>
               <a:t>Clique para editar os estilos de texto mestres</a:t>
             </a:r>
           </a:p>
           <a:p>
             <a:pPr lvl="1"/>
             <a:r>
-              <a:rPr lang="pt-BR" smtClean="0"/>
+              <a:rPr lang="pt-BR"/>
               <a:t>Segundo nível</a:t>
             </a:r>
           </a:p>
           <a:p>
             <a:pPr lvl="2"/>
             <a:r>
-              <a:rPr lang="pt-BR" smtClean="0"/>
+              <a:rPr lang="pt-BR"/>
               <a:t>Terceiro nível</a:t>
             </a:r>
           </a:p>
           <a:p>
             <a:pPr lvl="3"/>
             <a:r>
-              <a:rPr lang="pt-BR" smtClean="0"/>
+              <a:rPr lang="pt-BR"/>
               <a:t>Quarto nível</a:t>
             </a:r>
           </a:p>
           <a:p>
             <a:pPr lvl="4"/>
             <a:r>
-              <a:rPr lang="pt-BR" smtClean="0"/>
+              <a:rPr lang="pt-BR"/>
               <a:t>Quinto nível</a:t>
             </a:r>
             <a:endParaRPr lang="en-US" dirty="0"/>
@@ -1182,35 +1187,35 @@
           <a:p>
             <a:pPr lvl="0"/>
             <a:r>
-              <a:rPr lang="pt-BR" smtClean="0"/>
+              <a:rPr lang="pt-BR"/>
               <a:t>Clique para editar os estilos de texto mestres</a:t>
             </a:r>
           </a:p>
           <a:p>
             <a:pPr lvl="1"/>
             <a:r>
-              <a:rPr lang="pt-BR" smtClean="0"/>
+              <a:rPr lang="pt-BR"/>
               <a:t>Segundo nível</a:t>
             </a:r>
           </a:p>
           <a:p>
             <a:pPr lvl="2"/>
             <a:r>
-              <a:rPr lang="pt-BR" smtClean="0"/>
+              <a:rPr lang="pt-BR"/>
               <a:t>Terceiro nível</a:t>
             </a:r>
           </a:p>
           <a:p>
             <a:pPr lvl="3"/>
             <a:r>
-              <a:rPr lang="pt-BR" smtClean="0"/>
+              <a:rPr lang="pt-BR"/>
               <a:t>Quarto nível</a:t>
             </a:r>
           </a:p>
           <a:p>
             <a:pPr lvl="4"/>
             <a:r>
-              <a:rPr lang="pt-BR" smtClean="0"/>
+              <a:rPr lang="pt-BR"/>
               <a:t>Quinto nível</a:t>
             </a:r>
             <a:endParaRPr lang="en-US" dirty="0"/>
@@ -1234,7 +1239,7 @@
           <a:p>
             <a:fld id="{A2012631-E70B-D040-BE44-60C2DACBB81E}" type="datetimeFigureOut">
               <a:rPr lang="pt-BR" smtClean="0"/>
-              <a:t>05/09/2019</a:t>
+              <a:t>07/09/2019</a:t>
             </a:fld>
             <a:endParaRPr lang="pt-BR"/>
           </a:p>
@@ -1276,7 +1281,7 @@
           <a:p>
             <a:fld id="{FA791A00-6D8C-5341-8E22-21E34B293C4C}" type="slidenum">
               <a:rPr lang="pt-BR" smtClean="0"/>
-              <a:t>‹n.º›</a:t>
+              <a:t>‹nº›</a:t>
             </a:fld>
             <a:endParaRPr lang="pt-BR"/>
           </a:p>
@@ -1333,7 +1338,7 @@
           <a:lstStyle/>
           <a:p>
             <a:r>
-              <a:rPr lang="pt-BR" smtClean="0"/>
+              <a:rPr lang="pt-BR"/>
               <a:t>Clique para editar estilo do título mestre</a:t>
             </a:r>
             <a:endParaRPr lang="en-US" dirty="0"/>
@@ -1399,7 +1404,7 @@
           <a:p>
             <a:pPr lvl="0"/>
             <a:r>
-              <a:rPr lang="pt-BR" smtClean="0"/>
+              <a:rPr lang="pt-BR"/>
               <a:t>Clique para editar os estilos de texto mestres</a:t>
             </a:r>
           </a:p>
@@ -1427,35 +1432,35 @@
           <a:p>
             <a:pPr lvl="0"/>
             <a:r>
-              <a:rPr lang="pt-BR" smtClean="0"/>
+              <a:rPr lang="pt-BR"/>
               <a:t>Clique para editar os estilos de texto mestres</a:t>
             </a:r>
           </a:p>
           <a:p>
             <a:pPr lvl="1"/>
             <a:r>
-              <a:rPr lang="pt-BR" smtClean="0"/>
+              <a:rPr lang="pt-BR"/>
               <a:t>Segundo nível</a:t>
             </a:r>
           </a:p>
           <a:p>
             <a:pPr lvl="2"/>
             <a:r>
-              <a:rPr lang="pt-BR" smtClean="0"/>
+              <a:rPr lang="pt-BR"/>
               <a:t>Terceiro nível</a:t>
             </a:r>
           </a:p>
           <a:p>
             <a:pPr lvl="3"/>
             <a:r>
-              <a:rPr lang="pt-BR" smtClean="0"/>
+              <a:rPr lang="pt-BR"/>
               <a:t>Quarto nível</a:t>
             </a:r>
           </a:p>
           <a:p>
             <a:pPr lvl="4"/>
             <a:r>
-              <a:rPr lang="pt-BR" smtClean="0"/>
+              <a:rPr lang="pt-BR"/>
               <a:t>Quinto nível</a:t>
             </a:r>
             <a:endParaRPr lang="en-US" dirty="0"/>
@@ -1521,7 +1526,7 @@
           <a:p>
             <a:pPr lvl="0"/>
             <a:r>
-              <a:rPr lang="pt-BR" smtClean="0"/>
+              <a:rPr lang="pt-BR"/>
               <a:t>Clique para editar os estilos de texto mestres</a:t>
             </a:r>
           </a:p>
@@ -1549,35 +1554,35 @@
           <a:p>
             <a:pPr lvl="0"/>
             <a:r>
-              <a:rPr lang="pt-BR" smtClean="0"/>
+              <a:rPr lang="pt-BR"/>
               <a:t>Clique para editar os estilos de texto mestres</a:t>
             </a:r>
           </a:p>
           <a:p>
             <a:pPr lvl="1"/>
             <a:r>
-              <a:rPr lang="pt-BR" smtClean="0"/>
+              <a:rPr lang="pt-BR"/>
               <a:t>Segundo nível</a:t>
             </a:r>
           </a:p>
           <a:p>
             <a:pPr lvl="2"/>
             <a:r>
-              <a:rPr lang="pt-BR" smtClean="0"/>
+              <a:rPr lang="pt-BR"/>
               <a:t>Terceiro nível</a:t>
             </a:r>
           </a:p>
           <a:p>
             <a:pPr lvl="3"/>
             <a:r>
-              <a:rPr lang="pt-BR" smtClean="0"/>
+              <a:rPr lang="pt-BR"/>
               <a:t>Quarto nível</a:t>
             </a:r>
           </a:p>
           <a:p>
             <a:pPr lvl="4"/>
             <a:r>
-              <a:rPr lang="pt-BR" smtClean="0"/>
+              <a:rPr lang="pt-BR"/>
               <a:t>Quinto nível</a:t>
             </a:r>
             <a:endParaRPr lang="en-US" dirty="0"/>
@@ -1601,7 +1606,7 @@
           <a:p>
             <a:fld id="{A2012631-E70B-D040-BE44-60C2DACBB81E}" type="datetimeFigureOut">
               <a:rPr lang="pt-BR" smtClean="0"/>
-              <a:t>05/09/2019</a:t>
+              <a:t>07/09/2019</a:t>
             </a:fld>
             <a:endParaRPr lang="pt-BR"/>
           </a:p>
@@ -1643,7 +1648,7 @@
           <a:p>
             <a:fld id="{FA791A00-6D8C-5341-8E22-21E34B293C4C}" type="slidenum">
               <a:rPr lang="pt-BR" smtClean="0"/>
-              <a:t>‹n.º›</a:t>
+              <a:t>‹nº›</a:t>
             </a:fld>
             <a:endParaRPr lang="pt-BR"/>
           </a:p>
@@ -1695,7 +1700,7 @@
           <a:lstStyle/>
           <a:p>
             <a:r>
-              <a:rPr lang="pt-BR" smtClean="0"/>
+              <a:rPr lang="pt-BR"/>
               <a:t>Clique para editar estilo do título mestre</a:t>
             </a:r>
             <a:endParaRPr lang="en-US" dirty="0"/>
@@ -1719,7 +1724,7 @@
           <a:p>
             <a:fld id="{A2012631-E70B-D040-BE44-60C2DACBB81E}" type="datetimeFigureOut">
               <a:rPr lang="pt-BR" smtClean="0"/>
-              <a:t>05/09/2019</a:t>
+              <a:t>07/09/2019</a:t>
             </a:fld>
             <a:endParaRPr lang="pt-BR"/>
           </a:p>
@@ -1761,7 +1766,7 @@
           <a:p>
             <a:fld id="{FA791A00-6D8C-5341-8E22-21E34B293C4C}" type="slidenum">
               <a:rPr lang="pt-BR" smtClean="0"/>
-              <a:t>‹n.º›</a:t>
+              <a:t>‹nº›</a:t>
             </a:fld>
             <a:endParaRPr lang="pt-BR"/>
           </a:p>
@@ -1814,7 +1819,7 @@
           <a:p>
             <a:fld id="{A2012631-E70B-D040-BE44-60C2DACBB81E}" type="datetimeFigureOut">
               <a:rPr lang="pt-BR" smtClean="0"/>
-              <a:t>05/09/2019</a:t>
+              <a:t>07/09/2019</a:t>
             </a:fld>
             <a:endParaRPr lang="pt-BR"/>
           </a:p>
@@ -1856,7 +1861,7 @@
           <a:p>
             <a:fld id="{FA791A00-6D8C-5341-8E22-21E34B293C4C}" type="slidenum">
               <a:rPr lang="pt-BR" smtClean="0"/>
-              <a:t>‹n.º›</a:t>
+              <a:t>‹nº›</a:t>
             </a:fld>
             <a:endParaRPr lang="pt-BR"/>
           </a:p>
@@ -1917,7 +1922,7 @@
           </a:lstStyle>
           <a:p>
             <a:r>
-              <a:rPr lang="pt-BR" smtClean="0"/>
+              <a:rPr lang="pt-BR"/>
               <a:t>Clique para editar estilo do título mestre</a:t>
             </a:r>
             <a:endParaRPr lang="en-US" dirty="0"/>
@@ -1974,35 +1979,35 @@
           <a:p>
             <a:pPr lvl="0"/>
             <a:r>
-              <a:rPr lang="pt-BR" smtClean="0"/>
+              <a:rPr lang="pt-BR"/>
               <a:t>Clique para editar os estilos de texto mestres</a:t>
             </a:r>
           </a:p>
           <a:p>
             <a:pPr lvl="1"/>
             <a:r>
-              <a:rPr lang="pt-BR" smtClean="0"/>
+              <a:rPr lang="pt-BR"/>
               <a:t>Segundo nível</a:t>
             </a:r>
           </a:p>
           <a:p>
             <a:pPr lvl="2"/>
             <a:r>
-              <a:rPr lang="pt-BR" smtClean="0"/>
+              <a:rPr lang="pt-BR"/>
               <a:t>Terceiro nível</a:t>
             </a:r>
           </a:p>
           <a:p>
             <a:pPr lvl="3"/>
             <a:r>
-              <a:rPr lang="pt-BR" smtClean="0"/>
+              <a:rPr lang="pt-BR"/>
               <a:t>Quarto nível</a:t>
             </a:r>
           </a:p>
           <a:p>
             <a:pPr lvl="4"/>
             <a:r>
-              <a:rPr lang="pt-BR" smtClean="0"/>
+              <a:rPr lang="pt-BR"/>
               <a:t>Quinto nível</a:t>
             </a:r>
             <a:endParaRPr lang="en-US" dirty="0"/>
@@ -2068,7 +2073,7 @@
           <a:p>
             <a:pPr lvl="0"/>
             <a:r>
-              <a:rPr lang="pt-BR" smtClean="0"/>
+              <a:rPr lang="pt-BR"/>
               <a:t>Clique para editar os estilos de texto mestres</a:t>
             </a:r>
           </a:p>
@@ -2091,7 +2096,7 @@
           <a:p>
             <a:fld id="{A2012631-E70B-D040-BE44-60C2DACBB81E}" type="datetimeFigureOut">
               <a:rPr lang="pt-BR" smtClean="0"/>
-              <a:t>05/09/2019</a:t>
+              <a:t>07/09/2019</a:t>
             </a:fld>
             <a:endParaRPr lang="pt-BR"/>
           </a:p>
@@ -2133,7 +2138,7 @@
           <a:p>
             <a:fld id="{FA791A00-6D8C-5341-8E22-21E34B293C4C}" type="slidenum">
               <a:rPr lang="pt-BR" smtClean="0"/>
-              <a:t>‹n.º›</a:t>
+              <a:t>‹nº›</a:t>
             </a:fld>
             <a:endParaRPr lang="pt-BR"/>
           </a:p>
@@ -2194,7 +2199,7 @@
           </a:lstStyle>
           <a:p>
             <a:r>
-              <a:rPr lang="pt-BR" smtClean="0"/>
+              <a:rPr lang="pt-BR"/>
               <a:t>Clique para editar estilo do título mestre</a:t>
             </a:r>
             <a:endParaRPr lang="en-US" dirty="0"/>
@@ -2259,7 +2264,7 @@
           </a:lstStyle>
           <a:p>
             <a:r>
-              <a:rPr lang="pt-BR" smtClean="0"/>
+              <a:rPr lang="pt-BR"/>
               <a:t>Arraste a imagem para o espaço reservado ou clique no ícone para adicionar</a:t>
             </a:r>
             <a:endParaRPr lang="en-US" dirty="0"/>
@@ -2325,7 +2330,7 @@
           <a:p>
             <a:pPr lvl="0"/>
             <a:r>
-              <a:rPr lang="pt-BR" smtClean="0"/>
+              <a:rPr lang="pt-BR"/>
               <a:t>Clique para editar os estilos de texto mestres</a:t>
             </a:r>
           </a:p>
@@ -2348,7 +2353,7 @@
           <a:p>
             <a:fld id="{A2012631-E70B-D040-BE44-60C2DACBB81E}" type="datetimeFigureOut">
               <a:rPr lang="pt-BR" smtClean="0"/>
-              <a:t>05/09/2019</a:t>
+              <a:t>07/09/2019</a:t>
             </a:fld>
             <a:endParaRPr lang="pt-BR"/>
           </a:p>
@@ -2390,7 +2395,7 @@
           <a:p>
             <a:fld id="{FA791A00-6D8C-5341-8E22-21E34B293C4C}" type="slidenum">
               <a:rPr lang="pt-BR" smtClean="0"/>
-              <a:t>‹n.º›</a:t>
+              <a:t>‹nº›</a:t>
             </a:fld>
             <a:endParaRPr lang="pt-BR"/>
           </a:p>
@@ -2457,7 +2462,7 @@
           <a:lstStyle/>
           <a:p>
             <a:r>
-              <a:rPr lang="pt-BR" smtClean="0"/>
+              <a:rPr lang="pt-BR"/>
               <a:t>Clique para editar estilo do título mestre</a:t>
             </a:r>
             <a:endParaRPr lang="en-US" dirty="0"/>
@@ -2491,35 +2496,35 @@
           <a:p>
             <a:pPr lvl="0"/>
             <a:r>
-              <a:rPr lang="pt-BR" smtClean="0"/>
+              <a:rPr lang="pt-BR"/>
               <a:t>Clique para editar os estilos de texto mestres</a:t>
             </a:r>
           </a:p>
           <a:p>
             <a:pPr lvl="1"/>
             <a:r>
-              <a:rPr lang="pt-BR" smtClean="0"/>
+              <a:rPr lang="pt-BR"/>
               <a:t>Segundo nível</a:t>
             </a:r>
           </a:p>
           <a:p>
             <a:pPr lvl="2"/>
             <a:r>
-              <a:rPr lang="pt-BR" smtClean="0"/>
+              <a:rPr lang="pt-BR"/>
               <a:t>Terceiro nível</a:t>
             </a:r>
           </a:p>
           <a:p>
             <a:pPr lvl="3"/>
             <a:r>
-              <a:rPr lang="pt-BR" smtClean="0"/>
+              <a:rPr lang="pt-BR"/>
               <a:t>Quarto nível</a:t>
             </a:r>
           </a:p>
           <a:p>
             <a:pPr lvl="4"/>
             <a:r>
-              <a:rPr lang="pt-BR" smtClean="0"/>
+              <a:rPr lang="pt-BR"/>
               <a:t>Quinto nível</a:t>
             </a:r>
             <a:endParaRPr lang="en-US" dirty="0"/>
@@ -2561,7 +2566,7 @@
           <a:p>
             <a:fld id="{A2012631-E70B-D040-BE44-60C2DACBB81E}" type="datetimeFigureOut">
               <a:rPr lang="pt-BR" smtClean="0"/>
-              <a:t>05/09/2019</a:t>
+              <a:t>07/09/2019</a:t>
             </a:fld>
             <a:endParaRPr lang="pt-BR"/>
           </a:p>
@@ -2639,7 +2644,7 @@
           <a:p>
             <a:fld id="{FA791A00-6D8C-5341-8E22-21E34B293C4C}" type="slidenum">
               <a:rPr lang="pt-BR" smtClean="0"/>
-              <a:t>‹n.º›</a:t>
+              <a:t>‹nº›</a:t>
             </a:fld>
             <a:endParaRPr lang="pt-BR"/>
           </a:p>
@@ -3342,7 +3347,7 @@
         </p:blipFill>
         <p:spPr>
           <a:xfrm>
-            <a:off x="6293081" y="7745630"/>
+            <a:off x="4918251" y="7885330"/>
             <a:ext cx="1939749" cy="3709770"/>
           </a:xfrm>
           <a:prstGeom prst="rect">
@@ -3350,6 +3355,48 @@
           </a:prstGeom>
         </p:spPr>
       </p:pic>
+      <p:sp>
+        <p:nvSpPr>
+          <p:cNvPr id="2" name="Retângulo 1">
+            <a:extLst>
+              <a:ext uri="{FF2B5EF4-FFF2-40B4-BE49-F238E27FC236}">
+                <a16:creationId xmlns:a16="http://schemas.microsoft.com/office/drawing/2014/main" id="{4C5B8F80-259F-4BC2-9CF5-7EE41857C81E}"/>
+              </a:ext>
+            </a:extLst>
+          </p:cNvPr>
+          <p:cNvSpPr/>
+          <p:nvPr/>
+        </p:nvSpPr>
+        <p:spPr>
+          <a:xfrm>
+            <a:off x="375557" y="-33298"/>
+            <a:ext cx="6106887" cy="1107996"/>
+          </a:xfrm>
+          <a:prstGeom prst="rect">
+            <a:avLst/>
+          </a:prstGeom>
+        </p:spPr>
+        <p:txBody>
+          <a:bodyPr wrap="square">
+            <a:spAutoFit/>
+          </a:bodyPr>
+          <a:lstStyle/>
+          <a:p>
+            <a:pPr algn="ctr"/>
+            <a:r>
+              <a:rPr lang="pt-BR" sz="6600" dirty="0">
+                <a:solidFill>
+                  <a:schemeClr val="accent1">
+                    <a:lumMod val="75000"/>
+                  </a:schemeClr>
+                </a:solidFill>
+                <a:latin typeface="InkPen" panose="02000603000000000000" pitchFamily="50" charset="0"/>
+              </a:rPr>
+              <a:t>Ink Escape</a:t>
+            </a:r>
+          </a:p>
+        </p:txBody>
+      </p:sp>
     </p:spTree>
     <p:extLst>
       <p:ext uri="{BB962C8B-B14F-4D97-AF65-F5344CB8AC3E}">

--- a/OSP.pptx
+++ b/OSP.pptx
@@ -243,7 +243,7 @@
           <a:p>
             <a:fld id="{A2012631-E70B-D040-BE44-60C2DACBB81E}" type="datetimeFigureOut">
               <a:rPr lang="pt-BR" smtClean="0"/>
-              <a:t>07/09/2019</a:t>
+              <a:t>08/09/2019</a:t>
             </a:fld>
             <a:endParaRPr lang="pt-BR"/>
           </a:p>
@@ -413,7 +413,7 @@
           <a:p>
             <a:fld id="{A2012631-E70B-D040-BE44-60C2DACBB81E}" type="datetimeFigureOut">
               <a:rPr lang="pt-BR" smtClean="0"/>
-              <a:t>07/09/2019</a:t>
+              <a:t>08/09/2019</a:t>
             </a:fld>
             <a:endParaRPr lang="pt-BR"/>
           </a:p>
@@ -593,7 +593,7 @@
           <a:p>
             <a:fld id="{A2012631-E70B-D040-BE44-60C2DACBB81E}" type="datetimeFigureOut">
               <a:rPr lang="pt-BR" smtClean="0"/>
-              <a:t>07/09/2019</a:t>
+              <a:t>08/09/2019</a:t>
             </a:fld>
             <a:endParaRPr lang="pt-BR"/>
           </a:p>
@@ -763,7 +763,7 @@
           <a:p>
             <a:fld id="{A2012631-E70B-D040-BE44-60C2DACBB81E}" type="datetimeFigureOut">
               <a:rPr lang="pt-BR" smtClean="0"/>
-              <a:t>07/09/2019</a:t>
+              <a:t>08/09/2019</a:t>
             </a:fld>
             <a:endParaRPr lang="pt-BR"/>
           </a:p>
@@ -1007,7 +1007,7 @@
           <a:p>
             <a:fld id="{A2012631-E70B-D040-BE44-60C2DACBB81E}" type="datetimeFigureOut">
               <a:rPr lang="pt-BR" smtClean="0"/>
-              <a:t>07/09/2019</a:t>
+              <a:t>08/09/2019</a:t>
             </a:fld>
             <a:endParaRPr lang="pt-BR"/>
           </a:p>
@@ -1239,7 +1239,7 @@
           <a:p>
             <a:fld id="{A2012631-E70B-D040-BE44-60C2DACBB81E}" type="datetimeFigureOut">
               <a:rPr lang="pt-BR" smtClean="0"/>
-              <a:t>07/09/2019</a:t>
+              <a:t>08/09/2019</a:t>
             </a:fld>
             <a:endParaRPr lang="pt-BR"/>
           </a:p>
@@ -1606,7 +1606,7 @@
           <a:p>
             <a:fld id="{A2012631-E70B-D040-BE44-60C2DACBB81E}" type="datetimeFigureOut">
               <a:rPr lang="pt-BR" smtClean="0"/>
-              <a:t>07/09/2019</a:t>
+              <a:t>08/09/2019</a:t>
             </a:fld>
             <a:endParaRPr lang="pt-BR"/>
           </a:p>
@@ -1724,7 +1724,7 @@
           <a:p>
             <a:fld id="{A2012631-E70B-D040-BE44-60C2DACBB81E}" type="datetimeFigureOut">
               <a:rPr lang="pt-BR" smtClean="0"/>
-              <a:t>07/09/2019</a:t>
+              <a:t>08/09/2019</a:t>
             </a:fld>
             <a:endParaRPr lang="pt-BR"/>
           </a:p>
@@ -1819,7 +1819,7 @@
           <a:p>
             <a:fld id="{A2012631-E70B-D040-BE44-60C2DACBB81E}" type="datetimeFigureOut">
               <a:rPr lang="pt-BR" smtClean="0"/>
-              <a:t>07/09/2019</a:t>
+              <a:t>08/09/2019</a:t>
             </a:fld>
             <a:endParaRPr lang="pt-BR"/>
           </a:p>
@@ -2096,7 +2096,7 @@
           <a:p>
             <a:fld id="{A2012631-E70B-D040-BE44-60C2DACBB81E}" type="datetimeFigureOut">
               <a:rPr lang="pt-BR" smtClean="0"/>
-              <a:t>07/09/2019</a:t>
+              <a:t>08/09/2019</a:t>
             </a:fld>
             <a:endParaRPr lang="pt-BR"/>
           </a:p>
@@ -2353,7 +2353,7 @@
           <a:p>
             <a:fld id="{A2012631-E70B-D040-BE44-60C2DACBB81E}" type="datetimeFigureOut">
               <a:rPr lang="pt-BR" smtClean="0"/>
-              <a:t>07/09/2019</a:t>
+              <a:t>08/09/2019</a:t>
             </a:fld>
             <a:endParaRPr lang="pt-BR"/>
           </a:p>
@@ -2566,7 +2566,7 @@
           <a:p>
             <a:fld id="{A2012631-E70B-D040-BE44-60C2DACBB81E}" type="datetimeFigureOut">
               <a:rPr lang="pt-BR" smtClean="0"/>
-              <a:t>07/09/2019</a:t>
+              <a:t>08/09/2019</a:t>
             </a:fld>
             <a:endParaRPr lang="pt-BR"/>
           </a:p>
@@ -2993,7 +2993,7 @@
         <p:spPr>
           <a:xfrm>
             <a:off x="4389120" y="8680704"/>
-            <a:ext cx="4041371" cy="3511296"/>
+            <a:ext cx="2468881" cy="3511296"/>
           </a:xfrm>
           <a:prstGeom prst="rect">
             <a:avLst/>
@@ -3051,8 +3051,8 @@
         </p:blipFill>
         <p:spPr>
           <a:xfrm>
-            <a:off x="4389120" y="8160004"/>
-            <a:ext cx="4041371" cy="3511296"/>
+            <a:off x="4389121" y="8160004"/>
+            <a:ext cx="2468880" cy="3511296"/>
           </a:xfrm>
           <a:prstGeom prst="rect">
             <a:avLst/>
@@ -3140,8 +3140,8 @@
         </p:blipFill>
         <p:spPr>
           <a:xfrm>
-            <a:off x="4389120" y="5285508"/>
-            <a:ext cx="4041371" cy="3511296"/>
+            <a:off x="4389121" y="5285508"/>
+            <a:ext cx="2468880" cy="3511296"/>
           </a:xfrm>
           <a:prstGeom prst="rect">
             <a:avLst/>
@@ -3199,8 +3199,8 @@
         </p:blipFill>
         <p:spPr>
           <a:xfrm>
-            <a:off x="4389120" y="2874822"/>
-            <a:ext cx="4041371" cy="3511296"/>
+            <a:off x="4389121" y="2874822"/>
+            <a:ext cx="2468880" cy="3511296"/>
           </a:xfrm>
           <a:prstGeom prst="rect">
             <a:avLst/>
@@ -3258,8 +3258,8 @@
         </p:blipFill>
         <p:spPr>
           <a:xfrm>
-            <a:off x="4389120" y="0"/>
-            <a:ext cx="4041371" cy="3511296"/>
+            <a:off x="4361295" y="0"/>
+            <a:ext cx="2468880" cy="3511296"/>
           </a:xfrm>
           <a:prstGeom prst="rect">
             <a:avLst/>
@@ -3317,7 +3317,7 @@
         <p:spPr>
           <a:xfrm>
             <a:off x="4333471" y="11595100"/>
-            <a:ext cx="4097020" cy="596900"/>
+            <a:ext cx="2524529" cy="596900"/>
           </a:xfrm>
           <a:prstGeom prst="rect">
             <a:avLst/>
@@ -3347,7 +3347,7 @@
         </p:blipFill>
         <p:spPr>
           <a:xfrm>
-            <a:off x="4918251" y="7885330"/>
+            <a:off x="7057294" y="7575087"/>
             <a:ext cx="1939749" cy="3709770"/>
           </a:xfrm>
           <a:prstGeom prst="rect">
@@ -3397,6 +3397,505 @@
           </a:p>
         </p:txBody>
       </p:sp>
+      <p:sp>
+        <p:nvSpPr>
+          <p:cNvPr id="3" name="CaixaDeTexto 2">
+            <a:extLst>
+              <a:ext uri="{FF2B5EF4-FFF2-40B4-BE49-F238E27FC236}">
+                <a16:creationId xmlns:a16="http://schemas.microsoft.com/office/drawing/2014/main" id="{C3C7DBF2-8DA5-45EF-89E7-986531FC689F}"/>
+              </a:ext>
+            </a:extLst>
+          </p:cNvPr>
+          <p:cNvSpPr txBox="1"/>
+          <p:nvPr/>
+        </p:nvSpPr>
+        <p:spPr>
+          <a:xfrm>
+            <a:off x="364498" y="1783122"/>
+            <a:ext cx="2690160" cy="338554"/>
+          </a:xfrm>
+          <a:prstGeom prst="rect">
+            <a:avLst/>
+          </a:prstGeom>
+          <a:noFill/>
+        </p:spPr>
+        <p:txBody>
+          <a:bodyPr wrap="none" rtlCol="0">
+            <a:spAutoFit/>
+          </a:bodyPr>
+          <a:lstStyle/>
+          <a:p>
+            <a:r>
+              <a:rPr lang="pt-BR" sz="1600" dirty="0">
+                <a:solidFill>
+                  <a:srgbClr val="2E75B6"/>
+                </a:solidFill>
+                <a:latin typeface="Ink Free" panose="03080402000500000000" pitchFamily="66" charset="0"/>
+              </a:rPr>
+              <a:t>Lucas Barboza Ribeiro Claro </a:t>
+            </a:r>
+          </a:p>
+        </p:txBody>
+      </p:sp>
+      <p:sp>
+        <p:nvSpPr>
+          <p:cNvPr id="12" name="Retângulo 11">
+            <a:extLst>
+              <a:ext uri="{FF2B5EF4-FFF2-40B4-BE49-F238E27FC236}">
+                <a16:creationId xmlns:a16="http://schemas.microsoft.com/office/drawing/2014/main" id="{98AFFBF3-EC8E-45E2-BDAA-009326C588F0}"/>
+              </a:ext>
+            </a:extLst>
+          </p:cNvPr>
+          <p:cNvSpPr/>
+          <p:nvPr/>
+        </p:nvSpPr>
+        <p:spPr>
+          <a:xfrm>
+            <a:off x="206118" y="843865"/>
+            <a:ext cx="1919115" cy="461665"/>
+          </a:xfrm>
+          <a:prstGeom prst="rect">
+            <a:avLst/>
+          </a:prstGeom>
+        </p:spPr>
+        <p:txBody>
+          <a:bodyPr wrap="none">
+            <a:spAutoFit/>
+          </a:bodyPr>
+          <a:lstStyle/>
+          <a:p>
+            <a:r>
+              <a:rPr lang="pt-BR" sz="2400" dirty="0">
+                <a:solidFill>
+                  <a:srgbClr val="2E75B6"/>
+                </a:solidFill>
+                <a:latin typeface="Ink Free" panose="03080402000500000000" pitchFamily="66" charset="0"/>
+              </a:rPr>
+              <a:t>Integrantes:</a:t>
+            </a:r>
+            <a:endParaRPr lang="pt-BR" sz="2400" dirty="0">
+              <a:solidFill>
+                <a:srgbClr val="2E75B6"/>
+              </a:solidFill>
+            </a:endParaRPr>
+          </a:p>
+        </p:txBody>
+      </p:sp>
+      <p:sp>
+        <p:nvSpPr>
+          <p:cNvPr id="18" name="Retângulo 17">
+            <a:extLst>
+              <a:ext uri="{FF2B5EF4-FFF2-40B4-BE49-F238E27FC236}">
+                <a16:creationId xmlns:a16="http://schemas.microsoft.com/office/drawing/2014/main" id="{2C5459E1-A56A-4340-BEBA-9229F368DF41}"/>
+              </a:ext>
+            </a:extLst>
+          </p:cNvPr>
+          <p:cNvSpPr/>
+          <p:nvPr/>
+        </p:nvSpPr>
+        <p:spPr>
+          <a:xfrm>
+            <a:off x="192326" y="2200412"/>
+            <a:ext cx="2073003" cy="461665"/>
+          </a:xfrm>
+          <a:prstGeom prst="rect">
+            <a:avLst/>
+          </a:prstGeom>
+        </p:spPr>
+        <p:txBody>
+          <a:bodyPr wrap="none">
+            <a:spAutoFit/>
+          </a:bodyPr>
+          <a:lstStyle/>
+          <a:p>
+            <a:r>
+              <a:rPr lang="pt-BR" sz="2400" dirty="0">
+                <a:solidFill>
+                  <a:srgbClr val="2E75B6"/>
+                </a:solidFill>
+                <a:latin typeface="Ink Free" panose="03080402000500000000" pitchFamily="66" charset="0"/>
+              </a:rPr>
+              <a:t>Projeto: </a:t>
+            </a:r>
+            <a:r>
+              <a:rPr lang="pt-BR" sz="2400" dirty="0">
+                <a:solidFill>
+                  <a:srgbClr val="2E75B6"/>
+                </a:solidFill>
+                <a:highlight>
+                  <a:srgbClr val="FFFF00"/>
+                </a:highlight>
+                <a:latin typeface="Ink Free" panose="03080402000500000000" pitchFamily="66" charset="0"/>
+              </a:rPr>
+              <a:t>Itália</a:t>
+            </a:r>
+            <a:endParaRPr lang="pt-BR" sz="2400" dirty="0">
+              <a:solidFill>
+                <a:srgbClr val="2E75B6"/>
+              </a:solidFill>
+              <a:highlight>
+                <a:srgbClr val="FFFF00"/>
+              </a:highlight>
+            </a:endParaRPr>
+          </a:p>
+        </p:txBody>
+      </p:sp>
+      <p:sp>
+        <p:nvSpPr>
+          <p:cNvPr id="13" name="Retângulo 12">
+            <a:extLst>
+              <a:ext uri="{FF2B5EF4-FFF2-40B4-BE49-F238E27FC236}">
+                <a16:creationId xmlns:a16="http://schemas.microsoft.com/office/drawing/2014/main" id="{90EF8158-4BBB-417E-8AE2-F29A62419A95}"/>
+              </a:ext>
+            </a:extLst>
+          </p:cNvPr>
+          <p:cNvSpPr/>
+          <p:nvPr/>
+        </p:nvSpPr>
+        <p:spPr>
+          <a:xfrm>
+            <a:off x="382448" y="1260069"/>
+            <a:ext cx="1410964" cy="338554"/>
+          </a:xfrm>
+          <a:prstGeom prst="rect">
+            <a:avLst/>
+          </a:prstGeom>
+        </p:spPr>
+        <p:txBody>
+          <a:bodyPr wrap="none">
+            <a:spAutoFit/>
+          </a:bodyPr>
+          <a:lstStyle/>
+          <a:p>
+            <a:r>
+              <a:rPr lang="pt-BR" sz="1600" dirty="0">
+                <a:solidFill>
+                  <a:srgbClr val="2E75B6"/>
+                </a:solidFill>
+                <a:latin typeface="Ink Free" panose="03080402000500000000" pitchFamily="66" charset="0"/>
+              </a:rPr>
+              <a:t>Felipe </a:t>
+            </a:r>
+            <a:r>
+              <a:rPr lang="pt-BR" sz="1600" dirty="0" err="1">
+                <a:solidFill>
+                  <a:srgbClr val="2E75B6"/>
+                </a:solidFill>
+                <a:latin typeface="Ink Free" panose="03080402000500000000" pitchFamily="66" charset="0"/>
+              </a:rPr>
+              <a:t>Breeze</a:t>
+            </a:r>
+            <a:r>
+              <a:rPr lang="pt-BR" sz="1600" dirty="0">
+                <a:solidFill>
+                  <a:srgbClr val="2E75B6"/>
+                </a:solidFill>
+                <a:latin typeface="Ink Free" panose="03080402000500000000" pitchFamily="66" charset="0"/>
+              </a:rPr>
+              <a:t>;</a:t>
+            </a:r>
+          </a:p>
+        </p:txBody>
+      </p:sp>
+      <p:sp>
+        <p:nvSpPr>
+          <p:cNvPr id="14" name="Retângulo 13">
+            <a:extLst>
+              <a:ext uri="{FF2B5EF4-FFF2-40B4-BE49-F238E27FC236}">
+                <a16:creationId xmlns:a16="http://schemas.microsoft.com/office/drawing/2014/main" id="{4AB742CF-D43A-4554-B62A-79FE210841A4}"/>
+              </a:ext>
+            </a:extLst>
+          </p:cNvPr>
+          <p:cNvSpPr/>
+          <p:nvPr/>
+        </p:nvSpPr>
+        <p:spPr>
+          <a:xfrm>
+            <a:off x="375557" y="1438476"/>
+            <a:ext cx="1846980" cy="338554"/>
+          </a:xfrm>
+          <a:prstGeom prst="rect">
+            <a:avLst/>
+          </a:prstGeom>
+        </p:spPr>
+        <p:txBody>
+          <a:bodyPr wrap="none">
+            <a:spAutoFit/>
+          </a:bodyPr>
+          <a:lstStyle/>
+          <a:p>
+            <a:r>
+              <a:rPr lang="pt-BR" sz="1600" dirty="0">
+                <a:solidFill>
+                  <a:srgbClr val="2E75B6"/>
+                </a:solidFill>
+                <a:latin typeface="Ink Free" panose="03080402000500000000" pitchFamily="66" charset="0"/>
+              </a:rPr>
+              <a:t>Gustavo Yamauchi;</a:t>
+            </a:r>
+          </a:p>
+        </p:txBody>
+      </p:sp>
+      <p:sp>
+        <p:nvSpPr>
+          <p:cNvPr id="22" name="Retângulo 21">
+            <a:extLst>
+              <a:ext uri="{FF2B5EF4-FFF2-40B4-BE49-F238E27FC236}">
+                <a16:creationId xmlns:a16="http://schemas.microsoft.com/office/drawing/2014/main" id="{A6162AD1-546F-45B3-A1D3-372CE224D740}"/>
+              </a:ext>
+            </a:extLst>
+          </p:cNvPr>
+          <p:cNvSpPr/>
+          <p:nvPr/>
+        </p:nvSpPr>
+        <p:spPr>
+          <a:xfrm>
+            <a:off x="375556" y="1599328"/>
+            <a:ext cx="2547492" cy="338554"/>
+          </a:xfrm>
+          <a:prstGeom prst="rect">
+            <a:avLst/>
+          </a:prstGeom>
+        </p:spPr>
+        <p:txBody>
+          <a:bodyPr wrap="none">
+            <a:spAutoFit/>
+          </a:bodyPr>
+          <a:lstStyle/>
+          <a:p>
+            <a:r>
+              <a:rPr lang="pt-BR" sz="1600" dirty="0">
+                <a:solidFill>
+                  <a:srgbClr val="2E75B6"/>
+                </a:solidFill>
+                <a:latin typeface="Ink Free" panose="03080402000500000000" pitchFamily="66" charset="0"/>
+              </a:rPr>
+              <a:t>Igor Kenzo Miyamoto Dias;</a:t>
+            </a:r>
+          </a:p>
+        </p:txBody>
+      </p:sp>
+      <p:pic>
+        <p:nvPicPr>
+          <p:cNvPr id="26" name="Imagem 25" descr="Uma imagem contendo computador, monitor&#10;&#10;Descrição gerada automaticamente">
+            <a:extLst>
+              <a:ext uri="{FF2B5EF4-FFF2-40B4-BE49-F238E27FC236}">
+                <a16:creationId xmlns:a16="http://schemas.microsoft.com/office/drawing/2014/main" id="{4A72AF44-C05B-41EE-A2BE-FEFDC1EBAAAB}"/>
+              </a:ext>
+            </a:extLst>
+          </p:cNvPr>
+          <p:cNvPicPr>
+            <a:picLocks noChangeAspect="1"/>
+          </p:cNvPicPr>
+          <p:nvPr/>
+        </p:nvPicPr>
+        <p:blipFill>
+          <a:blip r:embed="rId4"/>
+          <a:stretch>
+            <a:fillRect/>
+          </a:stretch>
+        </p:blipFill>
+        <p:spPr>
+          <a:xfrm>
+            <a:off x="4709125" y="4258924"/>
+            <a:ext cx="2054936" cy="1736421"/>
+          </a:xfrm>
+          <a:prstGeom prst="rect">
+            <a:avLst/>
+          </a:prstGeom>
+          <a:effectLst>
+            <a:outerShdw blurRad="50800" dist="38100" dir="2700000" algn="tl" rotWithShape="0">
+              <a:prstClr val="black">
+                <a:alpha val="40000"/>
+              </a:prstClr>
+            </a:outerShdw>
+          </a:effectLst>
+        </p:spPr>
+      </p:pic>
+      <p:pic>
+        <p:nvPicPr>
+          <p:cNvPr id="1028" name="Picture 4" descr="A Noite Estrelada">
+            <a:extLst>
+              <a:ext uri="{FF2B5EF4-FFF2-40B4-BE49-F238E27FC236}">
+                <a16:creationId xmlns:a16="http://schemas.microsoft.com/office/drawing/2014/main" id="{B0281962-C6FC-4CFB-B5EA-AACFDFE98104}"/>
+              </a:ext>
+            </a:extLst>
+          </p:cNvPr>
+          <p:cNvPicPr>
+            <a:picLocks noChangeAspect="1" noChangeArrowheads="1"/>
+          </p:cNvPicPr>
+          <p:nvPr/>
+        </p:nvPicPr>
+        <p:blipFill>
+          <a:blip r:embed="rId5">
+            <a:extLst>
+              <a:ext uri="{28A0092B-C50C-407E-A947-70E740481C1C}">
+                <a14:useLocalDpi xmlns:a14="http://schemas.microsoft.com/office/drawing/2010/main" val="0"/>
+              </a:ext>
+            </a:extLst>
+          </a:blip>
+          <a:srcRect/>
+          <a:stretch>
+            <a:fillRect/>
+          </a:stretch>
+        </p:blipFill>
+        <p:spPr bwMode="auto">
+          <a:xfrm rot="21442997">
+            <a:off x="4830146" y="4506509"/>
+            <a:ext cx="1628581" cy="1076155"/>
+          </a:xfrm>
+          <a:prstGeom prst="rect">
+            <a:avLst/>
+          </a:prstGeom>
+          <a:noFill/>
+          <a:extLst>
+            <a:ext uri="{909E8E84-426E-40DD-AFC4-6F175D3DCCD1}">
+              <a14:hiddenFill xmlns:a14="http://schemas.microsoft.com/office/drawing/2010/main">
+                <a:solidFill>
+                  <a:srgbClr val="FFFFFF"/>
+                </a:solidFill>
+              </a14:hiddenFill>
+            </a:ext>
+          </a:extLst>
+        </p:spPr>
+      </p:pic>
+      <p:pic>
+        <p:nvPicPr>
+          <p:cNvPr id="1030" name="Picture 6" descr="Resultado de imagem para shakespeare">
+            <a:extLst>
+              <a:ext uri="{FF2B5EF4-FFF2-40B4-BE49-F238E27FC236}">
+                <a16:creationId xmlns:a16="http://schemas.microsoft.com/office/drawing/2014/main" id="{932CEA6B-FCEA-43CD-910F-6BE2F36488C6}"/>
+              </a:ext>
+            </a:extLst>
+          </p:cNvPr>
+          <p:cNvPicPr>
+            <a:picLocks noChangeAspect="1" noChangeArrowheads="1"/>
+          </p:cNvPicPr>
+          <p:nvPr/>
+        </p:nvPicPr>
+        <p:blipFill>
+          <a:blip r:embed="rId6">
+            <a:extLst>
+              <a:ext uri="{28A0092B-C50C-407E-A947-70E740481C1C}">
+                <a14:useLocalDpi xmlns:a14="http://schemas.microsoft.com/office/drawing/2010/main" val="0"/>
+              </a:ext>
+            </a:extLst>
+          </a:blip>
+          <a:srcRect/>
+          <a:stretch>
+            <a:fillRect/>
+          </a:stretch>
+        </p:blipFill>
+        <p:spPr bwMode="auto">
+          <a:xfrm>
+            <a:off x="4747" y="9260614"/>
+            <a:ext cx="2286000" cy="2943225"/>
+          </a:xfrm>
+          <a:prstGeom prst="rect">
+            <a:avLst/>
+          </a:prstGeom>
+          <a:noFill/>
+          <a:extLst>
+            <a:ext uri="{909E8E84-426E-40DD-AFC4-6F175D3DCCD1}">
+              <a14:hiddenFill xmlns:a14="http://schemas.microsoft.com/office/drawing/2010/main">
+                <a:solidFill>
+                  <a:srgbClr val="FFFFFF"/>
+                </a:solidFill>
+              </a14:hiddenFill>
+            </a:ext>
+          </a:extLst>
+        </p:spPr>
+      </p:pic>
+      <p:pic>
+        <p:nvPicPr>
+          <p:cNvPr id="28" name="Imagem 27">
+            <a:extLst>
+              <a:ext uri="{FF2B5EF4-FFF2-40B4-BE49-F238E27FC236}">
+                <a16:creationId xmlns:a16="http://schemas.microsoft.com/office/drawing/2014/main" id="{3D6816B9-AF4C-447D-99FB-68083F2F04E9}"/>
+              </a:ext>
+            </a:extLst>
+          </p:cNvPr>
+          <p:cNvPicPr>
+            <a:picLocks noChangeAspect="1"/>
+          </p:cNvPicPr>
+          <p:nvPr/>
+        </p:nvPicPr>
+        <p:blipFill>
+          <a:blip r:embed="rId7"/>
+          <a:stretch>
+            <a:fillRect/>
+          </a:stretch>
+        </p:blipFill>
+        <p:spPr>
+          <a:xfrm>
+            <a:off x="3080792" y="1179909"/>
+            <a:ext cx="3934952" cy="1801628"/>
+          </a:xfrm>
+          <a:prstGeom prst="rect">
+            <a:avLst/>
+          </a:prstGeom>
+        </p:spPr>
+      </p:pic>
+      <p:pic>
+        <p:nvPicPr>
+          <p:cNvPr id="30" name="Imagem 29">
+            <a:extLst>
+              <a:ext uri="{FF2B5EF4-FFF2-40B4-BE49-F238E27FC236}">
+                <a16:creationId xmlns:a16="http://schemas.microsoft.com/office/drawing/2014/main" id="{D5462A00-B697-4599-B524-66E18168A013}"/>
+              </a:ext>
+            </a:extLst>
+          </p:cNvPr>
+          <p:cNvPicPr>
+            <a:picLocks noChangeAspect="1"/>
+          </p:cNvPicPr>
+          <p:nvPr/>
+        </p:nvPicPr>
+        <p:blipFill>
+          <a:blip r:embed="rId8"/>
+          <a:stretch>
+            <a:fillRect/>
+          </a:stretch>
+        </p:blipFill>
+        <p:spPr>
+          <a:xfrm rot="20607155">
+            <a:off x="4456547" y="8125282"/>
+            <a:ext cx="2275368" cy="1020882"/>
+          </a:xfrm>
+          <a:prstGeom prst="rect">
+            <a:avLst/>
+          </a:prstGeom>
+        </p:spPr>
+      </p:pic>
+      <p:pic>
+        <p:nvPicPr>
+          <p:cNvPr id="1024" name="Imagem 1023">
+            <a:extLst>
+              <a:ext uri="{FF2B5EF4-FFF2-40B4-BE49-F238E27FC236}">
+                <a16:creationId xmlns:a16="http://schemas.microsoft.com/office/drawing/2014/main" id="{8AA0D0AF-C0FF-4F21-B542-3B9FB3D00F25}"/>
+              </a:ext>
+            </a:extLst>
+          </p:cNvPr>
+          <p:cNvPicPr>
+            <a:picLocks noChangeAspect="1"/>
+          </p:cNvPicPr>
+          <p:nvPr/>
+        </p:nvPicPr>
+        <p:blipFill>
+          <a:blip r:embed="rId9"/>
+          <a:stretch>
+            <a:fillRect/>
+          </a:stretch>
+        </p:blipFill>
+        <p:spPr>
+          <a:xfrm>
+            <a:off x="2923049" y="9134409"/>
+            <a:ext cx="3934952" cy="2382613"/>
+          </a:xfrm>
+          <a:prstGeom prst="rect">
+            <a:avLst/>
+          </a:prstGeom>
+        </p:spPr>
+      </p:pic>
     </p:spTree>
     <p:extLst>
       <p:ext uri="{BB962C8B-B14F-4D97-AF65-F5344CB8AC3E}">

--- a/OSP.pptx
+++ b/OSP.pptx
@@ -243,7 +243,7 @@
           <a:p>
             <a:fld id="{A2012631-E70B-D040-BE44-60C2DACBB81E}" type="datetimeFigureOut">
               <a:rPr lang="pt-BR" smtClean="0"/>
-              <a:t>08/09/2019</a:t>
+              <a:t>09/09/2019</a:t>
             </a:fld>
             <a:endParaRPr lang="pt-BR"/>
           </a:p>
@@ -413,7 +413,7 @@
           <a:p>
             <a:fld id="{A2012631-E70B-D040-BE44-60C2DACBB81E}" type="datetimeFigureOut">
               <a:rPr lang="pt-BR" smtClean="0"/>
-              <a:t>08/09/2019</a:t>
+              <a:t>09/09/2019</a:t>
             </a:fld>
             <a:endParaRPr lang="pt-BR"/>
           </a:p>
@@ -593,7 +593,7 @@
           <a:p>
             <a:fld id="{A2012631-E70B-D040-BE44-60C2DACBB81E}" type="datetimeFigureOut">
               <a:rPr lang="pt-BR" smtClean="0"/>
-              <a:t>08/09/2019</a:t>
+              <a:t>09/09/2019</a:t>
             </a:fld>
             <a:endParaRPr lang="pt-BR"/>
           </a:p>
@@ -763,7 +763,7 @@
           <a:p>
             <a:fld id="{A2012631-E70B-D040-BE44-60C2DACBB81E}" type="datetimeFigureOut">
               <a:rPr lang="pt-BR" smtClean="0"/>
-              <a:t>08/09/2019</a:t>
+              <a:t>09/09/2019</a:t>
             </a:fld>
             <a:endParaRPr lang="pt-BR"/>
           </a:p>
@@ -1007,7 +1007,7 @@
           <a:p>
             <a:fld id="{A2012631-E70B-D040-BE44-60C2DACBB81E}" type="datetimeFigureOut">
               <a:rPr lang="pt-BR" smtClean="0"/>
-              <a:t>08/09/2019</a:t>
+              <a:t>09/09/2019</a:t>
             </a:fld>
             <a:endParaRPr lang="pt-BR"/>
           </a:p>
@@ -1239,7 +1239,7 @@
           <a:p>
             <a:fld id="{A2012631-E70B-D040-BE44-60C2DACBB81E}" type="datetimeFigureOut">
               <a:rPr lang="pt-BR" smtClean="0"/>
-              <a:t>08/09/2019</a:t>
+              <a:t>09/09/2019</a:t>
             </a:fld>
             <a:endParaRPr lang="pt-BR"/>
           </a:p>
@@ -1606,7 +1606,7 @@
           <a:p>
             <a:fld id="{A2012631-E70B-D040-BE44-60C2DACBB81E}" type="datetimeFigureOut">
               <a:rPr lang="pt-BR" smtClean="0"/>
-              <a:t>08/09/2019</a:t>
+              <a:t>09/09/2019</a:t>
             </a:fld>
             <a:endParaRPr lang="pt-BR"/>
           </a:p>
@@ -1724,7 +1724,7 @@
           <a:p>
             <a:fld id="{A2012631-E70B-D040-BE44-60C2DACBB81E}" type="datetimeFigureOut">
               <a:rPr lang="pt-BR" smtClean="0"/>
-              <a:t>08/09/2019</a:t>
+              <a:t>09/09/2019</a:t>
             </a:fld>
             <a:endParaRPr lang="pt-BR"/>
           </a:p>
@@ -1819,7 +1819,7 @@
           <a:p>
             <a:fld id="{A2012631-E70B-D040-BE44-60C2DACBB81E}" type="datetimeFigureOut">
               <a:rPr lang="pt-BR" smtClean="0"/>
-              <a:t>08/09/2019</a:t>
+              <a:t>09/09/2019</a:t>
             </a:fld>
             <a:endParaRPr lang="pt-BR"/>
           </a:p>
@@ -2096,7 +2096,7 @@
           <a:p>
             <a:fld id="{A2012631-E70B-D040-BE44-60C2DACBB81E}" type="datetimeFigureOut">
               <a:rPr lang="pt-BR" smtClean="0"/>
-              <a:t>08/09/2019</a:t>
+              <a:t>09/09/2019</a:t>
             </a:fld>
             <a:endParaRPr lang="pt-BR"/>
           </a:p>
@@ -2353,7 +2353,7 @@
           <a:p>
             <a:fld id="{A2012631-E70B-D040-BE44-60C2DACBB81E}" type="datetimeFigureOut">
               <a:rPr lang="pt-BR" smtClean="0"/>
-              <a:t>08/09/2019</a:t>
+              <a:t>09/09/2019</a:t>
             </a:fld>
             <a:endParaRPr lang="pt-BR"/>
           </a:p>
@@ -2566,7 +2566,7 @@
           <a:p>
             <a:fld id="{A2012631-E70B-D040-BE44-60C2DACBB81E}" type="datetimeFigureOut">
               <a:rPr lang="pt-BR" smtClean="0"/>
-              <a:t>08/09/2019</a:t>
+              <a:t>09/09/2019</a:t>
             </a:fld>
             <a:endParaRPr lang="pt-BR"/>
           </a:p>
@@ -3555,7 +3555,7 @@
         <p:spPr>
           <a:xfrm>
             <a:off x="382448" y="1260069"/>
-            <a:ext cx="1410964" cy="338554"/>
+            <a:ext cx="2106667" cy="338554"/>
           </a:xfrm>
           <a:prstGeom prst="rect">
             <a:avLst/>
@@ -3568,32 +3568,20 @@
           <a:lstStyle/>
           <a:p>
             <a:r>
-              <a:rPr lang="pt-BR" sz="1600" dirty="0">
+              <a:rPr lang="pt-BR" sz="1600" dirty="0" smtClean="0">
                 <a:solidFill>
                   <a:srgbClr val="2E75B6"/>
                 </a:solidFill>
                 <a:latin typeface="Ink Free" panose="03080402000500000000" pitchFamily="66" charset="0"/>
               </a:rPr>
-              <a:t>Felipe </a:t>
-            </a:r>
-            <a:r>
-              <a:rPr lang="pt-BR" sz="1600" dirty="0" err="1">
-                <a:solidFill>
-                  <a:srgbClr val="2E75B6"/>
-                </a:solidFill>
-                <a:latin typeface="Ink Free" panose="03080402000500000000" pitchFamily="66" charset="0"/>
-              </a:rPr>
-              <a:t>Breeze</a:t>
-            </a:r>
-            <a:r>
-              <a:rPr lang="pt-BR" sz="1600" dirty="0">
-                <a:solidFill>
-                  <a:srgbClr val="2E75B6"/>
-                </a:solidFill>
-                <a:latin typeface="Ink Free" panose="03080402000500000000" pitchFamily="66" charset="0"/>
-              </a:rPr>
-              <a:t>;</a:t>
-            </a:r>
+              <a:t>Felipe Aguiar Fonseca;</a:t>
+            </a:r>
+            <a:endParaRPr lang="pt-BR" sz="1600" dirty="0">
+              <a:solidFill>
+                <a:srgbClr val="2E75B6"/>
+              </a:solidFill>
+              <a:latin typeface="Ink Free" panose="03080402000500000000" pitchFamily="66" charset="0"/>
+            </a:endParaRPr>
           </a:p>
         </p:txBody>
       </p:sp>
@@ -3612,7 +3600,7 @@
         <p:spPr>
           <a:xfrm>
             <a:off x="375557" y="1438476"/>
-            <a:ext cx="1846980" cy="338554"/>
+            <a:ext cx="2845651" cy="338554"/>
           </a:xfrm>
           <a:prstGeom prst="rect">
             <a:avLst/>
@@ -3631,8 +3619,23 @@
                 </a:solidFill>
                 <a:latin typeface="Ink Free" panose="03080402000500000000" pitchFamily="66" charset="0"/>
               </a:rPr>
-              <a:t>Gustavo Yamauchi;</a:t>
-            </a:r>
+              <a:t>Gustavo </a:t>
+            </a:r>
+            <a:r>
+              <a:rPr lang="pt-BR" sz="1600" dirty="0" smtClean="0">
+                <a:solidFill>
+                  <a:srgbClr val="2E75B6"/>
+                </a:solidFill>
+                <a:latin typeface="Ink Free" panose="03080402000500000000" pitchFamily="66" charset="0"/>
+              </a:rPr>
+              <a:t>Yamauchi Souza Reis;</a:t>
+            </a:r>
+            <a:endParaRPr lang="pt-BR" sz="1600" dirty="0">
+              <a:solidFill>
+                <a:srgbClr val="2E75B6"/>
+              </a:solidFill>
+              <a:latin typeface="Ink Free" panose="03080402000500000000" pitchFamily="66" charset="0"/>
+            </a:endParaRPr>
           </a:p>
         </p:txBody>
       </p:sp>
@@ -3808,10 +3811,10 @@
       </p:pic>
       <p:pic>
         <p:nvPicPr>
-          <p:cNvPr id="28" name="Imagem 27">
+          <p:cNvPr id="30" name="Imagem 29">
             <a:extLst>
               <a:ext uri="{FF2B5EF4-FFF2-40B4-BE49-F238E27FC236}">
-                <a16:creationId xmlns:a16="http://schemas.microsoft.com/office/drawing/2014/main" id="{3D6816B9-AF4C-447D-99FB-68083F2F04E9}"/>
+                <a16:creationId xmlns:a16="http://schemas.microsoft.com/office/drawing/2014/main" id="{D5462A00-B697-4599-B524-66E18168A013}"/>
               </a:ext>
             </a:extLst>
           </p:cNvPr>
@@ -3827,38 +3830,8 @@
           </a:stretch>
         </p:blipFill>
         <p:spPr>
-          <a:xfrm>
-            <a:off x="3080792" y="1179909"/>
-            <a:ext cx="3934952" cy="1801628"/>
-          </a:xfrm>
-          <a:prstGeom prst="rect">
-            <a:avLst/>
-          </a:prstGeom>
-        </p:spPr>
-      </p:pic>
-      <p:pic>
-        <p:nvPicPr>
-          <p:cNvPr id="30" name="Imagem 29">
-            <a:extLst>
-              <a:ext uri="{FF2B5EF4-FFF2-40B4-BE49-F238E27FC236}">
-                <a16:creationId xmlns:a16="http://schemas.microsoft.com/office/drawing/2014/main" id="{D5462A00-B697-4599-B524-66E18168A013}"/>
-              </a:ext>
-            </a:extLst>
-          </p:cNvPr>
-          <p:cNvPicPr>
-            <a:picLocks noChangeAspect="1"/>
-          </p:cNvPicPr>
-          <p:nvPr/>
-        </p:nvPicPr>
-        <p:blipFill>
-          <a:blip r:embed="rId8"/>
-          <a:stretch>
-            <a:fillRect/>
-          </a:stretch>
-        </p:blipFill>
-        <p:spPr>
           <a:xfrm rot="20607155">
-            <a:off x="4456547" y="8125282"/>
+            <a:off x="6928436" y="6239180"/>
             <a:ext cx="2275368" cy="1020882"/>
           </a:xfrm>
           <a:prstGeom prst="rect">
@@ -3881,7 +3854,7 @@
           <p:nvPr/>
         </p:nvPicPr>
         <p:blipFill>
-          <a:blip r:embed="rId9"/>
+          <a:blip r:embed="rId8"/>
           <a:stretch>
             <a:fillRect/>
           </a:stretch>
@@ -3896,6 +3869,1063 @@
           </a:prstGeom>
         </p:spPr>
       </p:pic>
+      <p:pic>
+        <p:nvPicPr>
+          <p:cNvPr id="21" name="Picture 4" descr="Resultado de imagem para world map drawn"/>
+          <p:cNvPicPr>
+            <a:picLocks noChangeAspect="1" noChangeArrowheads="1"/>
+          </p:cNvPicPr>
+          <p:nvPr/>
+        </p:nvPicPr>
+        <p:blipFill>
+          <a:blip r:embed="rId9">
+            <a:duotone>
+              <a:schemeClr val="accent5">
+                <a:shade val="45000"/>
+                <a:satMod val="135000"/>
+              </a:schemeClr>
+              <a:prstClr val="white"/>
+            </a:duotone>
+            <a:extLst>
+              <a:ext uri="{28A0092B-C50C-407E-A947-70E740481C1C}">
+                <a14:useLocalDpi xmlns:a14="http://schemas.microsoft.com/office/drawing/2010/main" val="0"/>
+              </a:ext>
+            </a:extLst>
+          </a:blip>
+          <a:srcRect/>
+          <a:stretch>
+            <a:fillRect/>
+          </a:stretch>
+        </p:blipFill>
+        <p:spPr bwMode="auto">
+          <a:xfrm>
+            <a:off x="3629202" y="1103213"/>
+            <a:ext cx="3084906" cy="1493180"/>
+          </a:xfrm>
+          <a:prstGeom prst="rect">
+            <a:avLst/>
+          </a:prstGeom>
+          <a:noFill/>
+          <a:extLst>
+            <a:ext uri="{909E8E84-426E-40DD-AFC4-6F175D3DCCD1}">
+              <a14:hiddenFill xmlns:a14="http://schemas.microsoft.com/office/drawing/2010/main">
+                <a:solidFill>
+                  <a:srgbClr val="FFFFFF"/>
+                </a:solidFill>
+              </a14:hiddenFill>
+            </a:ext>
+          </a:extLst>
+        </p:spPr>
+      </p:pic>
+      <mc:AlternateContent xmlns:mc="http://schemas.openxmlformats.org/markup-compatibility/2006" xmlns:a14="http://schemas.microsoft.com/office/drawing/2010/main">
+        <mc:Choice Requires="a14">
+          <p:sp>
+            <p:nvSpPr>
+              <p:cNvPr id="23" name="CaixaDeTexto 22"/>
+              <p:cNvSpPr txBox="1"/>
+              <p:nvPr/>
+            </p:nvSpPr>
+            <p:spPr>
+              <a:xfrm>
+                <a:off x="8027168" y="2668849"/>
+                <a:ext cx="2384242" cy="685124"/>
+              </a:xfrm>
+              <a:prstGeom prst="rect">
+                <a:avLst/>
+              </a:prstGeom>
+              <a:noFill/>
+            </p:spPr>
+            <p:txBody>
+              <a:bodyPr wrap="none" rtlCol="0">
+                <a:spAutoFit/>
+              </a:bodyPr>
+              <a:lstStyle/>
+              <a:p>
+                <a:pPr/>
+                <a14:m>
+                  <m:oMathPara xmlns:m="http://schemas.openxmlformats.org/officeDocument/2006/math">
+                    <m:oMathParaPr>
+                      <m:jc m:val="centerGroup"/>
+                    </m:oMathParaPr>
+                    <m:oMath xmlns:m="http://schemas.openxmlformats.org/officeDocument/2006/math">
+                      <m:r>
+                        <a:rPr lang="pt-BR" i="1" smtClean="0">
+                          <a:latin typeface="Cambria Math" panose="02040503050406030204" pitchFamily="18" charset="0"/>
+                        </a:rPr>
+                        <m:t>𝑥</m:t>
+                      </m:r>
+                      <m:r>
+                        <a:rPr lang="pt-BR" b="0" i="1" smtClean="0">
+                          <a:latin typeface="Cambria Math" panose="02040503050406030204" pitchFamily="18" charset="0"/>
+                        </a:rPr>
+                        <m:t>=</m:t>
+                      </m:r>
+                      <m:f>
+                        <m:fPr>
+                          <m:ctrlPr>
+                            <a:rPr lang="pt-BR" i="1" smtClean="0">
+                              <a:latin typeface="Cambria Math" panose="02040503050406030204" pitchFamily="18" charset="0"/>
+                            </a:rPr>
+                          </m:ctrlPr>
+                        </m:fPr>
+                        <m:num>
+                          <m:r>
+                            <a:rPr lang="pt-BR" i="1" smtClean="0">
+                              <a:latin typeface="Cambria Math" panose="02040503050406030204" pitchFamily="18" charset="0"/>
+                            </a:rPr>
+                            <m:t>−</m:t>
+                          </m:r>
+                          <m:r>
+                            <a:rPr lang="pt-BR" i="1" smtClean="0">
+                              <a:latin typeface="Cambria Math" panose="02040503050406030204" pitchFamily="18" charset="0"/>
+                            </a:rPr>
+                            <m:t>𝑏</m:t>
+                          </m:r>
+                          <m:r>
+                            <a:rPr lang="pt-BR" i="1" smtClean="0">
+                              <a:latin typeface="Cambria Math" panose="02040503050406030204" pitchFamily="18" charset="0"/>
+                            </a:rPr>
+                            <m:t>±</m:t>
+                          </m:r>
+                          <m:rad>
+                            <m:radPr>
+                              <m:degHide m:val="on"/>
+                              <m:ctrlPr>
+                                <a:rPr lang="pt-BR" i="1" smtClean="0">
+                                  <a:latin typeface="Cambria Math" panose="02040503050406030204" pitchFamily="18" charset="0"/>
+                                </a:rPr>
+                              </m:ctrlPr>
+                            </m:radPr>
+                            <m:deg/>
+                            <m:e>
+                              <m:sSup>
+                                <m:sSupPr>
+                                  <m:ctrlPr>
+                                    <a:rPr lang="pt-BR" i="1" smtClean="0">
+                                      <a:latin typeface="Cambria Math" panose="02040503050406030204" pitchFamily="18" charset="0"/>
+                                    </a:rPr>
+                                  </m:ctrlPr>
+                                </m:sSupPr>
+                                <m:e>
+                                  <m:r>
+                                    <a:rPr lang="pt-BR" i="1" smtClean="0">
+                                      <a:latin typeface="Cambria Math" panose="02040503050406030204" pitchFamily="18" charset="0"/>
+                                    </a:rPr>
+                                    <m:t>𝑏</m:t>
+                                  </m:r>
+                                </m:e>
+                                <m:sup>
+                                  <m:r>
+                                    <a:rPr lang="pt-BR" i="1" smtClean="0">
+                                      <a:latin typeface="Cambria Math" panose="02040503050406030204" pitchFamily="18" charset="0"/>
+                                    </a:rPr>
+                                    <m:t>2</m:t>
+                                  </m:r>
+                                </m:sup>
+                              </m:sSup>
+                              <m:r>
+                                <a:rPr lang="pt-BR" i="1" smtClean="0">
+                                  <a:latin typeface="Cambria Math" panose="02040503050406030204" pitchFamily="18" charset="0"/>
+                                </a:rPr>
+                                <m:t>−4</m:t>
+                              </m:r>
+                              <m:r>
+                                <a:rPr lang="pt-BR" i="1" smtClean="0">
+                                  <a:latin typeface="Cambria Math" panose="02040503050406030204" pitchFamily="18" charset="0"/>
+                                </a:rPr>
+                                <m:t>𝑎𝑐</m:t>
+                              </m:r>
+                            </m:e>
+                          </m:rad>
+                        </m:num>
+                        <m:den>
+                          <m:r>
+                            <a:rPr lang="pt-BR" i="1" smtClean="0">
+                              <a:latin typeface="Cambria Math" panose="02040503050406030204" pitchFamily="18" charset="0"/>
+                            </a:rPr>
+                            <m:t>2</m:t>
+                          </m:r>
+                          <m:r>
+                            <a:rPr lang="pt-BR" i="1" smtClean="0">
+                              <a:latin typeface="Cambria Math" panose="02040503050406030204" pitchFamily="18" charset="0"/>
+                            </a:rPr>
+                            <m:t>𝑎</m:t>
+                          </m:r>
+                        </m:den>
+                      </m:f>
+                      <m:r>
+                        <a:rPr lang="pt-BR" i="1" smtClean="0">
+                          <a:latin typeface="Cambria Math" panose="02040503050406030204" pitchFamily="18" charset="0"/>
+                        </a:rPr>
+                        <m:t>,</m:t>
+                      </m:r>
+                    </m:oMath>
+                  </m:oMathPara>
+                </a14:m>
+                <a:endParaRPr lang="pt-BR" dirty="0">
+                  <a:latin typeface="Ink Free" panose="03080402000500000000" pitchFamily="66" charset="0"/>
+                </a:endParaRPr>
+              </a:p>
+            </p:txBody>
+          </p:sp>
+        </mc:Choice>
+        <mc:Fallback xmlns="">
+          <p:sp>
+            <p:nvSpPr>
+              <p:cNvPr id="23" name="CaixaDeTexto 22"/>
+              <p:cNvSpPr txBox="1">
+                <a:spLocks noRot="1" noChangeAspect="1" noMove="1" noResize="1" noEditPoints="1" noAdjustHandles="1" noChangeArrowheads="1" noChangeShapeType="1" noTextEdit="1"/>
+              </p:cNvSpPr>
+              <p:nvPr/>
+            </p:nvSpPr>
+            <p:spPr>
+              <a:xfrm>
+                <a:off x="8027168" y="2668849"/>
+                <a:ext cx="2384242" cy="685124"/>
+              </a:xfrm>
+              <a:prstGeom prst="rect">
+                <a:avLst/>
+              </a:prstGeom>
+              <a:blipFill>
+                <a:blip r:embed="rId10"/>
+                <a:stretch>
+                  <a:fillRect/>
+                </a:stretch>
+              </a:blipFill>
+            </p:spPr>
+            <p:txBody>
+              <a:bodyPr/>
+              <a:lstStyle/>
+              <a:p>
+                <a:r>
+                  <a:rPr lang="pt-BR">
+                    <a:noFill/>
+                  </a:rPr>
+                  <a:t> </a:t>
+                </a:r>
+              </a:p>
+            </p:txBody>
+          </p:sp>
+        </mc:Fallback>
+      </mc:AlternateContent>
+      <p:sp>
+        <p:nvSpPr>
+          <p:cNvPr id="25" name="CaixaDeTexto 24"/>
+          <p:cNvSpPr txBox="1"/>
+          <p:nvPr/>
+        </p:nvSpPr>
+        <p:spPr>
+          <a:xfrm>
+            <a:off x="8027168" y="3819525"/>
+            <a:ext cx="1842171" cy="646331"/>
+          </a:xfrm>
+          <a:prstGeom prst="rect">
+            <a:avLst/>
+          </a:prstGeom>
+          <a:noFill/>
+        </p:spPr>
+        <p:txBody>
+          <a:bodyPr wrap="none" rtlCol="0">
+            <a:spAutoFit/>
+          </a:bodyPr>
+          <a:lstStyle/>
+          <a:p>
+            <a:r>
+              <a:rPr lang="pt-BR" dirty="0" smtClean="0">
+                <a:latin typeface="Ink Free" panose="03080402000500000000" pitchFamily="66" charset="0"/>
+              </a:rPr>
+              <a:t>X = -b      </a:t>
+            </a:r>
+            <a:r>
+              <a:rPr lang="pt-BR" dirty="0" err="1" smtClean="0">
+                <a:latin typeface="Ink Free" panose="03080402000500000000" pitchFamily="66" charset="0"/>
+              </a:rPr>
+              <a:t>b</a:t>
+            </a:r>
+            <a:r>
+              <a:rPr lang="pt-BR" dirty="0" smtClean="0">
+                <a:latin typeface="Ink Free" panose="03080402000500000000" pitchFamily="66" charset="0"/>
+              </a:rPr>
+              <a:t> – 4ac</a:t>
+            </a:r>
+          </a:p>
+          <a:p>
+            <a:r>
+              <a:rPr lang="pt-BR" dirty="0" smtClean="0">
+                <a:latin typeface="Ink Free" panose="03080402000500000000" pitchFamily="66" charset="0"/>
+              </a:rPr>
+              <a:t>         2a</a:t>
+            </a:r>
+            <a:endParaRPr lang="pt-BR" dirty="0">
+              <a:latin typeface="Ink Free" panose="03080402000500000000" pitchFamily="66" charset="0"/>
+            </a:endParaRPr>
+          </a:p>
+        </p:txBody>
+      </p:sp>
+      <p:sp>
+        <p:nvSpPr>
+          <p:cNvPr id="27" name="CaixaDeTexto 26"/>
+          <p:cNvSpPr txBox="1"/>
+          <p:nvPr/>
+        </p:nvSpPr>
+        <p:spPr>
+          <a:xfrm>
+            <a:off x="8592925" y="3763833"/>
+            <a:ext cx="300082" cy="369332"/>
+          </a:xfrm>
+          <a:prstGeom prst="rect">
+            <a:avLst/>
+          </a:prstGeom>
+          <a:noFill/>
+        </p:spPr>
+        <p:txBody>
+          <a:bodyPr wrap="none" rtlCol="0">
+            <a:spAutoFit/>
+          </a:bodyPr>
+          <a:lstStyle/>
+          <a:p>
+            <a:r>
+              <a:rPr lang="pt-BR" dirty="0">
+                <a:latin typeface="Ink Free" panose="03080402000500000000" pitchFamily="66" charset="0"/>
+              </a:rPr>
+              <a:t>+</a:t>
+            </a:r>
+          </a:p>
+        </p:txBody>
+      </p:sp>
+      <p:sp>
+        <p:nvSpPr>
+          <p:cNvPr id="34" name="CaixaDeTexto 33"/>
+          <p:cNvSpPr txBox="1"/>
+          <p:nvPr/>
+        </p:nvSpPr>
+        <p:spPr>
+          <a:xfrm>
+            <a:off x="8621500" y="3849558"/>
+            <a:ext cx="263214" cy="369332"/>
+          </a:xfrm>
+          <a:prstGeom prst="rect">
+            <a:avLst/>
+          </a:prstGeom>
+          <a:noFill/>
+        </p:spPr>
+        <p:txBody>
+          <a:bodyPr wrap="none" rtlCol="0">
+            <a:spAutoFit/>
+          </a:bodyPr>
+          <a:lstStyle/>
+          <a:p>
+            <a:r>
+              <a:rPr lang="pt-BR" dirty="0" smtClean="0">
+                <a:latin typeface="Ink Free" panose="03080402000500000000" pitchFamily="66" charset="0"/>
+              </a:rPr>
+              <a:t>-</a:t>
+            </a:r>
+            <a:endParaRPr lang="pt-BR" dirty="0">
+              <a:latin typeface="Ink Free" panose="03080402000500000000" pitchFamily="66" charset="0"/>
+            </a:endParaRPr>
+          </a:p>
+        </p:txBody>
+      </p:sp>
+      <p:grpSp>
+        <p:nvGrpSpPr>
+          <p:cNvPr id="41" name="Agrupar 40"/>
+          <p:cNvGrpSpPr/>
+          <p:nvPr/>
+        </p:nvGrpSpPr>
+        <p:grpSpPr>
+          <a:xfrm rot="420220">
+            <a:off x="8007502" y="4478186"/>
+            <a:ext cx="1170845" cy="579729"/>
+            <a:chOff x="8258175" y="5877281"/>
+            <a:chExt cx="1170845" cy="579729"/>
+          </a:xfrm>
+        </p:grpSpPr>
+        <p:sp>
+          <p:nvSpPr>
+            <p:cNvPr id="40" name="CaixaDeTexto 39"/>
+            <p:cNvSpPr txBox="1"/>
+            <p:nvPr/>
+          </p:nvSpPr>
+          <p:spPr>
+            <a:xfrm>
+              <a:off x="8258175" y="5995345"/>
+              <a:ext cx="288862" cy="461665"/>
+            </a:xfrm>
+            <a:prstGeom prst="rect">
+              <a:avLst/>
+            </a:prstGeom>
+            <a:noFill/>
+          </p:spPr>
+          <p:txBody>
+            <a:bodyPr wrap="none" rtlCol="0">
+              <a:spAutoFit/>
+            </a:bodyPr>
+            <a:lstStyle/>
+            <a:p>
+              <a:r>
+                <a:rPr lang="pt-BR" sz="2400" dirty="0">
+                  <a:latin typeface="Ink Free" panose="03080402000500000000" pitchFamily="66" charset="0"/>
+                </a:rPr>
+                <a:t>-</a:t>
+              </a:r>
+            </a:p>
+          </p:txBody>
+        </p:sp>
+        <p:sp>
+          <p:nvSpPr>
+            <p:cNvPr id="45" name="CaixaDeTexto 44"/>
+            <p:cNvSpPr txBox="1"/>
+            <p:nvPr/>
+          </p:nvSpPr>
+          <p:spPr>
+            <a:xfrm>
+              <a:off x="8332638" y="5984880"/>
+              <a:ext cx="288862" cy="461665"/>
+            </a:xfrm>
+            <a:prstGeom prst="rect">
+              <a:avLst/>
+            </a:prstGeom>
+            <a:noFill/>
+          </p:spPr>
+          <p:txBody>
+            <a:bodyPr wrap="none" rtlCol="0">
+              <a:spAutoFit/>
+            </a:bodyPr>
+            <a:lstStyle/>
+            <a:p>
+              <a:r>
+                <a:rPr lang="pt-BR" sz="2400" dirty="0">
+                  <a:latin typeface="Ink Free" panose="03080402000500000000" pitchFamily="66" charset="0"/>
+                </a:rPr>
+                <a:t>-</a:t>
+              </a:r>
+            </a:p>
+          </p:txBody>
+        </p:sp>
+        <p:sp>
+          <p:nvSpPr>
+            <p:cNvPr id="46" name="CaixaDeTexto 45"/>
+            <p:cNvSpPr txBox="1"/>
+            <p:nvPr/>
+          </p:nvSpPr>
+          <p:spPr>
+            <a:xfrm>
+              <a:off x="8411950" y="5975354"/>
+              <a:ext cx="288862" cy="461665"/>
+            </a:xfrm>
+            <a:prstGeom prst="rect">
+              <a:avLst/>
+            </a:prstGeom>
+            <a:noFill/>
+          </p:spPr>
+          <p:txBody>
+            <a:bodyPr wrap="none" rtlCol="0">
+              <a:spAutoFit/>
+            </a:bodyPr>
+            <a:lstStyle/>
+            <a:p>
+              <a:r>
+                <a:rPr lang="pt-BR" sz="2400" dirty="0">
+                  <a:latin typeface="Ink Free" panose="03080402000500000000" pitchFamily="66" charset="0"/>
+                </a:rPr>
+                <a:t>-</a:t>
+              </a:r>
+            </a:p>
+          </p:txBody>
+        </p:sp>
+        <p:sp>
+          <p:nvSpPr>
+            <p:cNvPr id="47" name="CaixaDeTexto 46"/>
+            <p:cNvSpPr txBox="1"/>
+            <p:nvPr/>
+          </p:nvSpPr>
+          <p:spPr>
+            <a:xfrm>
+              <a:off x="8464245" y="5965829"/>
+              <a:ext cx="288862" cy="461665"/>
+            </a:xfrm>
+            <a:prstGeom prst="rect">
+              <a:avLst/>
+            </a:prstGeom>
+            <a:noFill/>
+          </p:spPr>
+          <p:txBody>
+            <a:bodyPr wrap="none" rtlCol="0">
+              <a:spAutoFit/>
+            </a:bodyPr>
+            <a:lstStyle/>
+            <a:p>
+              <a:r>
+                <a:rPr lang="pt-BR" sz="2400" dirty="0">
+                  <a:latin typeface="Ink Free" panose="03080402000500000000" pitchFamily="66" charset="0"/>
+                </a:rPr>
+                <a:t>-</a:t>
+              </a:r>
+            </a:p>
+          </p:txBody>
+        </p:sp>
+        <p:sp>
+          <p:nvSpPr>
+            <p:cNvPr id="48" name="CaixaDeTexto 47"/>
+            <p:cNvSpPr txBox="1"/>
+            <p:nvPr/>
+          </p:nvSpPr>
+          <p:spPr>
+            <a:xfrm>
+              <a:off x="8505644" y="5965829"/>
+              <a:ext cx="288862" cy="461665"/>
+            </a:xfrm>
+            <a:prstGeom prst="rect">
+              <a:avLst/>
+            </a:prstGeom>
+            <a:noFill/>
+          </p:spPr>
+          <p:txBody>
+            <a:bodyPr wrap="none" rtlCol="0">
+              <a:spAutoFit/>
+            </a:bodyPr>
+            <a:lstStyle/>
+            <a:p>
+              <a:r>
+                <a:rPr lang="pt-BR" sz="2400" dirty="0">
+                  <a:latin typeface="Ink Free" panose="03080402000500000000" pitchFamily="66" charset="0"/>
+                </a:rPr>
+                <a:t>-</a:t>
+              </a:r>
+            </a:p>
+          </p:txBody>
+        </p:sp>
+        <p:sp>
+          <p:nvSpPr>
+            <p:cNvPr id="49" name="CaixaDeTexto 48"/>
+            <p:cNvSpPr txBox="1"/>
+            <p:nvPr/>
+          </p:nvSpPr>
+          <p:spPr>
+            <a:xfrm>
+              <a:off x="8580107" y="5955364"/>
+              <a:ext cx="288862" cy="461665"/>
+            </a:xfrm>
+            <a:prstGeom prst="rect">
+              <a:avLst/>
+            </a:prstGeom>
+            <a:noFill/>
+          </p:spPr>
+          <p:txBody>
+            <a:bodyPr wrap="none" rtlCol="0">
+              <a:spAutoFit/>
+            </a:bodyPr>
+            <a:lstStyle/>
+            <a:p>
+              <a:r>
+                <a:rPr lang="pt-BR" sz="2400" dirty="0">
+                  <a:latin typeface="Ink Free" panose="03080402000500000000" pitchFamily="66" charset="0"/>
+                </a:rPr>
+                <a:t>-</a:t>
+              </a:r>
+            </a:p>
+          </p:txBody>
+        </p:sp>
+        <p:sp>
+          <p:nvSpPr>
+            <p:cNvPr id="50" name="CaixaDeTexto 49"/>
+            <p:cNvSpPr txBox="1"/>
+            <p:nvPr/>
+          </p:nvSpPr>
+          <p:spPr>
+            <a:xfrm>
+              <a:off x="8659419" y="5945838"/>
+              <a:ext cx="288862" cy="461665"/>
+            </a:xfrm>
+            <a:prstGeom prst="rect">
+              <a:avLst/>
+            </a:prstGeom>
+            <a:noFill/>
+          </p:spPr>
+          <p:txBody>
+            <a:bodyPr wrap="none" rtlCol="0">
+              <a:spAutoFit/>
+            </a:bodyPr>
+            <a:lstStyle/>
+            <a:p>
+              <a:r>
+                <a:rPr lang="pt-BR" sz="2400" dirty="0">
+                  <a:latin typeface="Ink Free" panose="03080402000500000000" pitchFamily="66" charset="0"/>
+                </a:rPr>
+                <a:t>-</a:t>
+              </a:r>
+            </a:p>
+          </p:txBody>
+        </p:sp>
+        <p:sp>
+          <p:nvSpPr>
+            <p:cNvPr id="51" name="CaixaDeTexto 50"/>
+            <p:cNvSpPr txBox="1"/>
+            <p:nvPr/>
+          </p:nvSpPr>
+          <p:spPr>
+            <a:xfrm>
+              <a:off x="8711714" y="5936313"/>
+              <a:ext cx="288862" cy="461665"/>
+            </a:xfrm>
+            <a:prstGeom prst="rect">
+              <a:avLst/>
+            </a:prstGeom>
+            <a:noFill/>
+          </p:spPr>
+          <p:txBody>
+            <a:bodyPr wrap="none" rtlCol="0">
+              <a:spAutoFit/>
+            </a:bodyPr>
+            <a:lstStyle/>
+            <a:p>
+              <a:r>
+                <a:rPr lang="pt-BR" sz="2400" dirty="0">
+                  <a:latin typeface="Ink Free" panose="03080402000500000000" pitchFamily="66" charset="0"/>
+                </a:rPr>
+                <a:t>-</a:t>
+              </a:r>
+            </a:p>
+          </p:txBody>
+        </p:sp>
+        <p:sp>
+          <p:nvSpPr>
+            <p:cNvPr id="52" name="CaixaDeTexto 51"/>
+            <p:cNvSpPr txBox="1"/>
+            <p:nvPr/>
+          </p:nvSpPr>
+          <p:spPr>
+            <a:xfrm>
+              <a:off x="8686619" y="5936313"/>
+              <a:ext cx="288862" cy="461665"/>
+            </a:xfrm>
+            <a:prstGeom prst="rect">
+              <a:avLst/>
+            </a:prstGeom>
+            <a:noFill/>
+          </p:spPr>
+          <p:txBody>
+            <a:bodyPr wrap="none" rtlCol="0">
+              <a:spAutoFit/>
+            </a:bodyPr>
+            <a:lstStyle/>
+            <a:p>
+              <a:r>
+                <a:rPr lang="pt-BR" sz="2400" dirty="0">
+                  <a:latin typeface="Ink Free" panose="03080402000500000000" pitchFamily="66" charset="0"/>
+                </a:rPr>
+                <a:t>-</a:t>
+              </a:r>
+            </a:p>
+          </p:txBody>
+        </p:sp>
+        <p:sp>
+          <p:nvSpPr>
+            <p:cNvPr id="53" name="CaixaDeTexto 52"/>
+            <p:cNvSpPr txBox="1"/>
+            <p:nvPr/>
+          </p:nvSpPr>
+          <p:spPr>
+            <a:xfrm>
+              <a:off x="8761082" y="5925848"/>
+              <a:ext cx="288862" cy="461665"/>
+            </a:xfrm>
+            <a:prstGeom prst="rect">
+              <a:avLst/>
+            </a:prstGeom>
+            <a:noFill/>
+          </p:spPr>
+          <p:txBody>
+            <a:bodyPr wrap="none" rtlCol="0">
+              <a:spAutoFit/>
+            </a:bodyPr>
+            <a:lstStyle/>
+            <a:p>
+              <a:r>
+                <a:rPr lang="pt-BR" sz="2400" dirty="0">
+                  <a:latin typeface="Ink Free" panose="03080402000500000000" pitchFamily="66" charset="0"/>
+                </a:rPr>
+                <a:t>-</a:t>
+              </a:r>
+            </a:p>
+          </p:txBody>
+        </p:sp>
+        <p:sp>
+          <p:nvSpPr>
+            <p:cNvPr id="54" name="CaixaDeTexto 53"/>
+            <p:cNvSpPr txBox="1"/>
+            <p:nvPr/>
+          </p:nvSpPr>
+          <p:spPr>
+            <a:xfrm>
+              <a:off x="8840394" y="5916322"/>
+              <a:ext cx="288862" cy="461665"/>
+            </a:xfrm>
+            <a:prstGeom prst="rect">
+              <a:avLst/>
+            </a:prstGeom>
+            <a:noFill/>
+          </p:spPr>
+          <p:txBody>
+            <a:bodyPr wrap="none" rtlCol="0">
+              <a:spAutoFit/>
+            </a:bodyPr>
+            <a:lstStyle/>
+            <a:p>
+              <a:r>
+                <a:rPr lang="pt-BR" sz="2400" dirty="0">
+                  <a:latin typeface="Ink Free" panose="03080402000500000000" pitchFamily="66" charset="0"/>
+                </a:rPr>
+                <a:t>-</a:t>
+              </a:r>
+            </a:p>
+          </p:txBody>
+        </p:sp>
+        <p:sp>
+          <p:nvSpPr>
+            <p:cNvPr id="55" name="CaixaDeTexto 54"/>
+            <p:cNvSpPr txBox="1"/>
+            <p:nvPr/>
+          </p:nvSpPr>
+          <p:spPr>
+            <a:xfrm>
+              <a:off x="8892689" y="5906797"/>
+              <a:ext cx="288862" cy="461665"/>
+            </a:xfrm>
+            <a:prstGeom prst="rect">
+              <a:avLst/>
+            </a:prstGeom>
+            <a:noFill/>
+          </p:spPr>
+          <p:txBody>
+            <a:bodyPr wrap="none" rtlCol="0">
+              <a:spAutoFit/>
+            </a:bodyPr>
+            <a:lstStyle/>
+            <a:p>
+              <a:r>
+                <a:rPr lang="pt-BR" sz="2400" dirty="0">
+                  <a:latin typeface="Ink Free" panose="03080402000500000000" pitchFamily="66" charset="0"/>
+                </a:rPr>
+                <a:t>-</a:t>
+              </a:r>
+            </a:p>
+          </p:txBody>
+        </p:sp>
+        <p:sp>
+          <p:nvSpPr>
+            <p:cNvPr id="56" name="CaixaDeTexto 55"/>
+            <p:cNvSpPr txBox="1"/>
+            <p:nvPr/>
+          </p:nvSpPr>
+          <p:spPr>
+            <a:xfrm>
+              <a:off x="8934088" y="5906797"/>
+              <a:ext cx="288862" cy="461665"/>
+            </a:xfrm>
+            <a:prstGeom prst="rect">
+              <a:avLst/>
+            </a:prstGeom>
+            <a:noFill/>
+          </p:spPr>
+          <p:txBody>
+            <a:bodyPr wrap="none" rtlCol="0">
+              <a:spAutoFit/>
+            </a:bodyPr>
+            <a:lstStyle/>
+            <a:p>
+              <a:r>
+                <a:rPr lang="pt-BR" sz="2400" dirty="0">
+                  <a:latin typeface="Ink Free" panose="03080402000500000000" pitchFamily="66" charset="0"/>
+                </a:rPr>
+                <a:t>-</a:t>
+              </a:r>
+            </a:p>
+          </p:txBody>
+        </p:sp>
+        <p:sp>
+          <p:nvSpPr>
+            <p:cNvPr id="57" name="CaixaDeTexto 56"/>
+            <p:cNvSpPr txBox="1"/>
+            <p:nvPr/>
+          </p:nvSpPr>
+          <p:spPr>
+            <a:xfrm>
+              <a:off x="9008551" y="5896332"/>
+              <a:ext cx="288862" cy="461665"/>
+            </a:xfrm>
+            <a:prstGeom prst="rect">
+              <a:avLst/>
+            </a:prstGeom>
+            <a:noFill/>
+          </p:spPr>
+          <p:txBody>
+            <a:bodyPr wrap="none" rtlCol="0">
+              <a:spAutoFit/>
+            </a:bodyPr>
+            <a:lstStyle/>
+            <a:p>
+              <a:r>
+                <a:rPr lang="pt-BR" sz="2400" dirty="0">
+                  <a:latin typeface="Ink Free" panose="03080402000500000000" pitchFamily="66" charset="0"/>
+                </a:rPr>
+                <a:t>-</a:t>
+              </a:r>
+            </a:p>
+          </p:txBody>
+        </p:sp>
+        <p:sp>
+          <p:nvSpPr>
+            <p:cNvPr id="58" name="CaixaDeTexto 57"/>
+            <p:cNvSpPr txBox="1"/>
+            <p:nvPr/>
+          </p:nvSpPr>
+          <p:spPr>
+            <a:xfrm>
+              <a:off x="9087863" y="5886806"/>
+              <a:ext cx="288862" cy="461665"/>
+            </a:xfrm>
+            <a:prstGeom prst="rect">
+              <a:avLst/>
+            </a:prstGeom>
+            <a:noFill/>
+          </p:spPr>
+          <p:txBody>
+            <a:bodyPr wrap="none" rtlCol="0">
+              <a:spAutoFit/>
+            </a:bodyPr>
+            <a:lstStyle/>
+            <a:p>
+              <a:r>
+                <a:rPr lang="pt-BR" sz="2400" dirty="0">
+                  <a:latin typeface="Ink Free" panose="03080402000500000000" pitchFamily="66" charset="0"/>
+                </a:rPr>
+                <a:t>-</a:t>
+              </a:r>
+            </a:p>
+          </p:txBody>
+        </p:sp>
+        <p:sp>
+          <p:nvSpPr>
+            <p:cNvPr id="59" name="CaixaDeTexto 58"/>
+            <p:cNvSpPr txBox="1"/>
+            <p:nvPr/>
+          </p:nvSpPr>
+          <p:spPr>
+            <a:xfrm>
+              <a:off x="9140158" y="5877281"/>
+              <a:ext cx="288862" cy="461665"/>
+            </a:xfrm>
+            <a:prstGeom prst="rect">
+              <a:avLst/>
+            </a:prstGeom>
+            <a:noFill/>
+          </p:spPr>
+          <p:txBody>
+            <a:bodyPr wrap="none" rtlCol="0">
+              <a:spAutoFit/>
+            </a:bodyPr>
+            <a:lstStyle/>
+            <a:p>
+              <a:r>
+                <a:rPr lang="pt-BR" sz="2400" dirty="0">
+                  <a:latin typeface="Ink Free" panose="03080402000500000000" pitchFamily="66" charset="0"/>
+                </a:rPr>
+                <a:t>-</a:t>
+              </a:r>
+            </a:p>
+          </p:txBody>
+        </p:sp>
+      </p:grpSp>
+      <p:pic>
+        <p:nvPicPr>
+          <p:cNvPr id="42" name="Imagem 41"/>
+          <p:cNvPicPr>
+            <a:picLocks noChangeAspect="1"/>
+          </p:cNvPicPr>
+          <p:nvPr/>
+        </p:nvPicPr>
+        <p:blipFill rotWithShape="1">
+          <a:blip r:embed="rId11">
+            <a:duotone>
+              <a:schemeClr val="accent5">
+                <a:shade val="45000"/>
+                <a:satMod val="135000"/>
+              </a:schemeClr>
+              <a:prstClr val="white"/>
+            </a:duotone>
+            <a:extLst>
+              <a:ext uri="{28A0092B-C50C-407E-A947-70E740481C1C}">
+                <a14:useLocalDpi xmlns:a14="http://schemas.microsoft.com/office/drawing/2010/main" val="0"/>
+              </a:ext>
+            </a:extLst>
+          </a:blip>
+          <a:srcRect l="32365" t="16856" r="45969" b="66156"/>
+          <a:stretch/>
+        </p:blipFill>
+        <p:spPr>
+          <a:xfrm rot="21108824">
+            <a:off x="4530571" y="7915971"/>
+            <a:ext cx="2130328" cy="764733"/>
+          </a:xfrm>
+          <a:prstGeom prst="rect">
+            <a:avLst/>
+          </a:prstGeom>
+        </p:spPr>
+      </p:pic>
+      <p:sp>
+        <p:nvSpPr>
+          <p:cNvPr id="43" name="CaixaDeTexto 42"/>
+          <p:cNvSpPr txBox="1"/>
+          <p:nvPr/>
+        </p:nvSpPr>
+        <p:spPr>
+          <a:xfrm>
+            <a:off x="-4785147" y="2335883"/>
+            <a:ext cx="4649822" cy="1477328"/>
+          </a:xfrm>
+          <a:prstGeom prst="rect">
+            <a:avLst/>
+          </a:prstGeom>
+          <a:noFill/>
+        </p:spPr>
+        <p:txBody>
+          <a:bodyPr wrap="square" rtlCol="0">
+            <a:spAutoFit/>
+          </a:bodyPr>
+          <a:lstStyle/>
+          <a:p>
+            <a:r>
+              <a:rPr lang="pt-BR" dirty="0" smtClean="0">
+                <a:solidFill>
+                  <a:srgbClr val="2E75B6"/>
+                </a:solidFill>
+                <a:latin typeface="Ink Free" panose="03080402000500000000" pitchFamily="66" charset="0"/>
+              </a:rPr>
+              <a:t>Gameplay: o jogo funciona num ciclo de enigmas a serem resolvidos dentro das páginas de um caderno.  Cada enigma dará acesso a novas páginas ou a parte da solução de outro desafio.</a:t>
+            </a:r>
+            <a:endParaRPr lang="pt-BR" dirty="0">
+              <a:solidFill>
+                <a:srgbClr val="2E75B6"/>
+              </a:solidFill>
+              <a:latin typeface="Ink Free" panose="03080402000500000000" pitchFamily="66" charset="0"/>
+            </a:endParaRPr>
+          </a:p>
+        </p:txBody>
+      </p:sp>
+      <p:sp>
+        <p:nvSpPr>
+          <p:cNvPr id="63" name="CaixaDeTexto 62"/>
+          <p:cNvSpPr txBox="1"/>
+          <p:nvPr/>
+        </p:nvSpPr>
+        <p:spPr>
+          <a:xfrm>
+            <a:off x="-4785147" y="4006663"/>
+            <a:ext cx="4649822" cy="2031325"/>
+          </a:xfrm>
+          <a:prstGeom prst="rect">
+            <a:avLst/>
+          </a:prstGeom>
+          <a:noFill/>
+        </p:spPr>
+        <p:txBody>
+          <a:bodyPr wrap="square" rtlCol="0">
+            <a:spAutoFit/>
+          </a:bodyPr>
+          <a:lstStyle/>
+          <a:p>
+            <a:r>
+              <a:rPr lang="pt-BR" dirty="0" smtClean="0">
+                <a:solidFill>
+                  <a:srgbClr val="2E75B6"/>
+                </a:solidFill>
+                <a:latin typeface="Ink Free" panose="03080402000500000000" pitchFamily="66" charset="0"/>
+              </a:rPr>
+              <a:t>Mecânica: o jogador poderá navega entre as páginas do caderno. As páginas bloqueadas estarão dobradas e trancadas com cadeados.</a:t>
+            </a:r>
+          </a:p>
+          <a:p>
+            <a:r>
+              <a:rPr lang="pt-BR" dirty="0" smtClean="0">
+                <a:solidFill>
+                  <a:srgbClr val="2E75B6"/>
+                </a:solidFill>
+                <a:latin typeface="Ink Free" panose="03080402000500000000" pitchFamily="66" charset="0"/>
+              </a:rPr>
+              <a:t>Alguns enigmas irão recompensar o jogador com chaves.  Para responder o jogador deverá: organizar dados em ordem, preencher valores, completar lacunas, reconhecer padrões etc.</a:t>
+            </a:r>
+          </a:p>
+        </p:txBody>
+      </p:sp>
+      <p:sp>
+        <p:nvSpPr>
+          <p:cNvPr id="60" name="CaixaDeTexto 59"/>
+          <p:cNvSpPr txBox="1"/>
+          <p:nvPr/>
+        </p:nvSpPr>
+        <p:spPr>
+          <a:xfrm>
+            <a:off x="-4785147" y="6305703"/>
+            <a:ext cx="4649822" cy="1200329"/>
+          </a:xfrm>
+          <a:prstGeom prst="rect">
+            <a:avLst/>
+          </a:prstGeom>
+          <a:noFill/>
+        </p:spPr>
+        <p:txBody>
+          <a:bodyPr wrap="square" rtlCol="0">
+            <a:spAutoFit/>
+          </a:bodyPr>
+          <a:lstStyle/>
+          <a:p>
+            <a:r>
+              <a:rPr lang="pt-BR" dirty="0" smtClean="0">
+                <a:solidFill>
+                  <a:srgbClr val="2E75B6"/>
+                </a:solidFill>
+                <a:latin typeface="Ink Free" panose="03080402000500000000" pitchFamily="66" charset="0"/>
+              </a:rPr>
+              <a:t>Controles: </a:t>
+            </a:r>
+            <a:r>
+              <a:rPr lang="pt-BR" dirty="0" smtClean="0">
+                <a:solidFill>
+                  <a:srgbClr val="2E75B6"/>
+                </a:solidFill>
+                <a:latin typeface="Ink Free" panose="03080402000500000000" pitchFamily="66" charset="0"/>
+              </a:rPr>
+              <a:t>o jogador </a:t>
+            </a:r>
+            <a:r>
+              <a:rPr lang="pt-BR" dirty="0" smtClean="0">
+                <a:solidFill>
+                  <a:srgbClr val="2E75B6"/>
+                </a:solidFill>
+                <a:latin typeface="Ink Free" panose="03080402000500000000" pitchFamily="66" charset="0"/>
+              </a:rPr>
+              <a:t>vai navegar e interagir com o jogo majoritariamente através do mouse. E e</a:t>
+            </a:r>
+            <a:r>
+              <a:rPr lang="pt-BR" dirty="0" smtClean="0">
+                <a:solidFill>
+                  <a:srgbClr val="2E75B6"/>
+                </a:solidFill>
+                <a:latin typeface="Ink Free" panose="03080402000500000000" pitchFamily="66" charset="0"/>
+              </a:rPr>
+              <a:t>m determinados pontos utilizando o teclado para digitação.</a:t>
+            </a:r>
+            <a:endParaRPr lang="pt-BR" dirty="0" smtClean="0">
+              <a:solidFill>
+                <a:srgbClr val="2E75B6"/>
+              </a:solidFill>
+              <a:latin typeface="Ink Free" panose="03080402000500000000" pitchFamily="66" charset="0"/>
+            </a:endParaRPr>
+          </a:p>
+        </p:txBody>
+      </p:sp>
     </p:spTree>
     <p:extLst>
       <p:ext uri="{BB962C8B-B14F-4D97-AF65-F5344CB8AC3E}">
@@ -3906,6 +4936,13 @@
   <p:clrMapOvr>
     <a:masterClrMapping/>
   </p:clrMapOvr>
+  <p:timing>
+    <p:tnLst>
+      <p:par>
+        <p:cTn id="1" dur="indefinite" restart="never" nodeType="tmRoot"/>
+      </p:par>
+    </p:tnLst>
+  </p:timing>
 </p:sld>
 </file>
 

--- a/OSP.pptx
+++ b/OSP.pptx
@@ -243,7 +243,7 @@
           <a:p>
             <a:fld id="{A2012631-E70B-D040-BE44-60C2DACBB81E}" type="datetimeFigureOut">
               <a:rPr lang="pt-BR" smtClean="0"/>
-              <a:t>09/09/2019</a:t>
+              <a:t>10/09/2019</a:t>
             </a:fld>
             <a:endParaRPr lang="pt-BR"/>
           </a:p>
@@ -413,7 +413,7 @@
           <a:p>
             <a:fld id="{A2012631-E70B-D040-BE44-60C2DACBB81E}" type="datetimeFigureOut">
               <a:rPr lang="pt-BR" smtClean="0"/>
-              <a:t>09/09/2019</a:t>
+              <a:t>10/09/2019</a:t>
             </a:fld>
             <a:endParaRPr lang="pt-BR"/>
           </a:p>
@@ -593,7 +593,7 @@
           <a:p>
             <a:fld id="{A2012631-E70B-D040-BE44-60C2DACBB81E}" type="datetimeFigureOut">
               <a:rPr lang="pt-BR" smtClean="0"/>
-              <a:t>09/09/2019</a:t>
+              <a:t>10/09/2019</a:t>
             </a:fld>
             <a:endParaRPr lang="pt-BR"/>
           </a:p>
@@ -763,7 +763,7 @@
           <a:p>
             <a:fld id="{A2012631-E70B-D040-BE44-60C2DACBB81E}" type="datetimeFigureOut">
               <a:rPr lang="pt-BR" smtClean="0"/>
-              <a:t>09/09/2019</a:t>
+              <a:t>10/09/2019</a:t>
             </a:fld>
             <a:endParaRPr lang="pt-BR"/>
           </a:p>
@@ -1007,7 +1007,7 @@
           <a:p>
             <a:fld id="{A2012631-E70B-D040-BE44-60C2DACBB81E}" type="datetimeFigureOut">
               <a:rPr lang="pt-BR" smtClean="0"/>
-              <a:t>09/09/2019</a:t>
+              <a:t>10/09/2019</a:t>
             </a:fld>
             <a:endParaRPr lang="pt-BR"/>
           </a:p>
@@ -1239,7 +1239,7 @@
           <a:p>
             <a:fld id="{A2012631-E70B-D040-BE44-60C2DACBB81E}" type="datetimeFigureOut">
               <a:rPr lang="pt-BR" smtClean="0"/>
-              <a:t>09/09/2019</a:t>
+              <a:t>10/09/2019</a:t>
             </a:fld>
             <a:endParaRPr lang="pt-BR"/>
           </a:p>
@@ -1606,7 +1606,7 @@
           <a:p>
             <a:fld id="{A2012631-E70B-D040-BE44-60C2DACBB81E}" type="datetimeFigureOut">
               <a:rPr lang="pt-BR" smtClean="0"/>
-              <a:t>09/09/2019</a:t>
+              <a:t>10/09/2019</a:t>
             </a:fld>
             <a:endParaRPr lang="pt-BR"/>
           </a:p>
@@ -1724,7 +1724,7 @@
           <a:p>
             <a:fld id="{A2012631-E70B-D040-BE44-60C2DACBB81E}" type="datetimeFigureOut">
               <a:rPr lang="pt-BR" smtClean="0"/>
-              <a:t>09/09/2019</a:t>
+              <a:t>10/09/2019</a:t>
             </a:fld>
             <a:endParaRPr lang="pt-BR"/>
           </a:p>
@@ -1819,7 +1819,7 @@
           <a:p>
             <a:fld id="{A2012631-E70B-D040-BE44-60C2DACBB81E}" type="datetimeFigureOut">
               <a:rPr lang="pt-BR" smtClean="0"/>
-              <a:t>09/09/2019</a:t>
+              <a:t>10/09/2019</a:t>
             </a:fld>
             <a:endParaRPr lang="pt-BR"/>
           </a:p>
@@ -2096,7 +2096,7 @@
           <a:p>
             <a:fld id="{A2012631-E70B-D040-BE44-60C2DACBB81E}" type="datetimeFigureOut">
               <a:rPr lang="pt-BR" smtClean="0"/>
-              <a:t>09/09/2019</a:t>
+              <a:t>10/09/2019</a:t>
             </a:fld>
             <a:endParaRPr lang="pt-BR"/>
           </a:p>
@@ -2353,7 +2353,7 @@
           <a:p>
             <a:fld id="{A2012631-E70B-D040-BE44-60C2DACBB81E}" type="datetimeFigureOut">
               <a:rPr lang="pt-BR" smtClean="0"/>
-              <a:t>09/09/2019</a:t>
+              <a:t>10/09/2019</a:t>
             </a:fld>
             <a:endParaRPr lang="pt-BR"/>
           </a:p>
@@ -2566,7 +2566,7 @@
           <a:p>
             <a:fld id="{A2012631-E70B-D040-BE44-60C2DACBB81E}" type="datetimeFigureOut">
               <a:rPr lang="pt-BR" smtClean="0"/>
-              <a:t>09/09/2019</a:t>
+              <a:t>10/09/2019</a:t>
             </a:fld>
             <a:endParaRPr lang="pt-BR"/>
           </a:p>
@@ -3347,7 +3347,7 @@
         </p:blipFill>
         <p:spPr>
           <a:xfrm>
-            <a:off x="7057294" y="7575087"/>
+            <a:off x="7688317" y="7280365"/>
             <a:ext cx="1939749" cy="3709770"/>
           </a:xfrm>
           <a:prstGeom prst="rect">
@@ -3568,7 +3568,7 @@
           <a:lstStyle/>
           <a:p>
             <a:r>
-              <a:rPr lang="pt-BR" sz="1600" dirty="0" smtClean="0">
+              <a:rPr lang="pt-BR" sz="1600" dirty="0">
                 <a:solidFill>
                   <a:srgbClr val="2E75B6"/>
                 </a:solidFill>
@@ -3576,12 +3576,6 @@
               </a:rPr>
               <a:t>Felipe Aguiar Fonseca;</a:t>
             </a:r>
-            <a:endParaRPr lang="pt-BR" sz="1600" dirty="0">
-              <a:solidFill>
-                <a:srgbClr val="2E75B6"/>
-              </a:solidFill>
-              <a:latin typeface="Ink Free" panose="03080402000500000000" pitchFamily="66" charset="0"/>
-            </a:endParaRPr>
           </a:p>
         </p:txBody>
       </p:sp>
@@ -3619,23 +3613,8 @@
                 </a:solidFill>
                 <a:latin typeface="Ink Free" panose="03080402000500000000" pitchFamily="66" charset="0"/>
               </a:rPr>
-              <a:t>Gustavo </a:t>
-            </a:r>
-            <a:r>
-              <a:rPr lang="pt-BR" sz="1600" dirty="0" smtClean="0">
-                <a:solidFill>
-                  <a:srgbClr val="2E75B6"/>
-                </a:solidFill>
-                <a:latin typeface="Ink Free" panose="03080402000500000000" pitchFamily="66" charset="0"/>
-              </a:rPr>
-              <a:t>Yamauchi Souza Reis;</a:t>
-            </a:r>
-            <a:endParaRPr lang="pt-BR" sz="1600" dirty="0">
-              <a:solidFill>
-                <a:srgbClr val="2E75B6"/>
-              </a:solidFill>
-              <a:latin typeface="Ink Free" panose="03080402000500000000" pitchFamily="66" charset="0"/>
-            </a:endParaRPr>
+              <a:t>Gustavo Yamauchi Souza Reis;</a:t>
+            </a:r>
           </a:p>
         </p:txBody>
       </p:sp>
@@ -3678,137 +3657,111 @@
           </a:p>
         </p:txBody>
       </p:sp>
-      <p:pic>
-        <p:nvPicPr>
-          <p:cNvPr id="26" name="Imagem 25" descr="Uma imagem contendo computador, monitor&#10;&#10;Descrição gerada automaticamente">
+      <p:grpSp>
+        <p:nvGrpSpPr>
+          <p:cNvPr id="29" name="Agrupar 28">
             <a:extLst>
               <a:ext uri="{FF2B5EF4-FFF2-40B4-BE49-F238E27FC236}">
-                <a16:creationId xmlns:a16="http://schemas.microsoft.com/office/drawing/2014/main" id="{4A72AF44-C05B-41EE-A2BE-FEFDC1EBAAAB}"/>
+                <a16:creationId xmlns:a16="http://schemas.microsoft.com/office/drawing/2014/main" id="{B6BDE821-63F8-4F0C-82AE-9FD744898677}"/>
               </a:ext>
             </a:extLst>
           </p:cNvPr>
-          <p:cNvPicPr>
-            <a:picLocks noChangeAspect="1"/>
-          </p:cNvPicPr>
+          <p:cNvGrpSpPr/>
           <p:nvPr/>
-        </p:nvPicPr>
-        <p:blipFill>
-          <a:blip r:embed="rId4"/>
-          <a:stretch>
-            <a:fillRect/>
-          </a:stretch>
-        </p:blipFill>
-        <p:spPr>
-          <a:xfrm>
-            <a:off x="4709125" y="4258924"/>
+        </p:nvGrpSpPr>
+        <p:grpSpPr>
+          <a:xfrm>
+            <a:off x="4861202" y="2854851"/>
             <a:ext cx="2054936" cy="1736421"/>
-          </a:xfrm>
-          <a:prstGeom prst="rect">
-            <a:avLst/>
-          </a:prstGeom>
-          <a:effectLst>
-            <a:outerShdw blurRad="50800" dist="38100" dir="2700000" algn="tl" rotWithShape="0">
-              <a:prstClr val="black">
-                <a:alpha val="40000"/>
-              </a:prstClr>
-            </a:outerShdw>
-          </a:effectLst>
-        </p:spPr>
-      </p:pic>
-      <p:pic>
-        <p:nvPicPr>
-          <p:cNvPr id="1028" name="Picture 4" descr="A Noite Estrelada">
+            <a:chOff x="4709125" y="4258924"/>
+            <a:chExt cx="2054936" cy="1736421"/>
+          </a:xfrm>
+        </p:grpSpPr>
+        <p:pic>
+          <p:nvPicPr>
+            <p:cNvPr id="26" name="Imagem 25" descr="Uma imagem contendo computador, monitor&#10;&#10;Descrição gerada automaticamente">
+              <a:extLst>
+                <a:ext uri="{FF2B5EF4-FFF2-40B4-BE49-F238E27FC236}">
+                  <a16:creationId xmlns:a16="http://schemas.microsoft.com/office/drawing/2014/main" id="{4A72AF44-C05B-41EE-A2BE-FEFDC1EBAAAB}"/>
+                </a:ext>
+              </a:extLst>
+            </p:cNvPr>
+            <p:cNvPicPr>
+              <a:picLocks noChangeAspect="1"/>
+            </p:cNvPicPr>
+            <p:nvPr/>
+          </p:nvPicPr>
+          <p:blipFill>
+            <a:blip r:embed="rId4"/>
+            <a:stretch>
+              <a:fillRect/>
+            </a:stretch>
+          </p:blipFill>
+          <p:spPr>
+            <a:xfrm>
+              <a:off x="4709125" y="4258924"/>
+              <a:ext cx="2054936" cy="1736421"/>
+            </a:xfrm>
+            <a:prstGeom prst="rect">
+              <a:avLst/>
+            </a:prstGeom>
+            <a:effectLst>
+              <a:outerShdw blurRad="50800" dist="38100" dir="2700000" algn="tl" rotWithShape="0">
+                <a:prstClr val="black">
+                  <a:alpha val="40000"/>
+                </a:prstClr>
+              </a:outerShdw>
+            </a:effectLst>
+          </p:spPr>
+        </p:pic>
+        <p:pic>
+          <p:nvPicPr>
+            <p:cNvPr id="1028" name="Picture 4" descr="A Noite Estrelada">
+              <a:extLst>
+                <a:ext uri="{FF2B5EF4-FFF2-40B4-BE49-F238E27FC236}">
+                  <a16:creationId xmlns:a16="http://schemas.microsoft.com/office/drawing/2014/main" id="{B0281962-C6FC-4CFB-B5EA-AACFDFE98104}"/>
+                </a:ext>
+              </a:extLst>
+            </p:cNvPr>
+            <p:cNvPicPr>
+              <a:picLocks noChangeAspect="1" noChangeArrowheads="1"/>
+            </p:cNvPicPr>
+            <p:nvPr/>
+          </p:nvPicPr>
+          <p:blipFill>
+            <a:blip r:embed="rId5">
+              <a:extLst>
+                <a:ext uri="{28A0092B-C50C-407E-A947-70E740481C1C}">
+                  <a14:useLocalDpi xmlns:a14="http://schemas.microsoft.com/office/drawing/2010/main" val="0"/>
+                </a:ext>
+              </a:extLst>
+            </a:blip>
+            <a:srcRect/>
+            <a:stretch>
+              <a:fillRect/>
+            </a:stretch>
+          </p:blipFill>
+          <p:spPr bwMode="auto">
+            <a:xfrm rot="21442997">
+              <a:off x="4830146" y="4506509"/>
+              <a:ext cx="1628581" cy="1076155"/>
+            </a:xfrm>
+            <a:prstGeom prst="rect">
+              <a:avLst/>
+            </a:prstGeom>
+            <a:noFill/>
             <a:extLst>
-              <a:ext uri="{FF2B5EF4-FFF2-40B4-BE49-F238E27FC236}">
-                <a16:creationId xmlns:a16="http://schemas.microsoft.com/office/drawing/2014/main" id="{B0281962-C6FC-4CFB-B5EA-AACFDFE98104}"/>
+              <a:ext uri="{909E8E84-426E-40DD-AFC4-6F175D3DCCD1}">
+                <a14:hiddenFill xmlns:a14="http://schemas.microsoft.com/office/drawing/2010/main">
+                  <a:solidFill>
+                    <a:srgbClr val="FFFFFF"/>
+                  </a:solidFill>
+                </a14:hiddenFill>
               </a:ext>
             </a:extLst>
-          </p:cNvPr>
-          <p:cNvPicPr>
-            <a:picLocks noChangeAspect="1" noChangeArrowheads="1"/>
-          </p:cNvPicPr>
-          <p:nvPr/>
-        </p:nvPicPr>
-        <p:blipFill>
-          <a:blip r:embed="rId5">
-            <a:extLst>
-              <a:ext uri="{28A0092B-C50C-407E-A947-70E740481C1C}">
-                <a14:useLocalDpi xmlns:a14="http://schemas.microsoft.com/office/drawing/2010/main" val="0"/>
-              </a:ext>
-            </a:extLst>
-          </a:blip>
-          <a:srcRect/>
-          <a:stretch>
-            <a:fillRect/>
-          </a:stretch>
-        </p:blipFill>
-        <p:spPr bwMode="auto">
-          <a:xfrm rot="21442997">
-            <a:off x="4830146" y="4506509"/>
-            <a:ext cx="1628581" cy="1076155"/>
-          </a:xfrm>
-          <a:prstGeom prst="rect">
-            <a:avLst/>
-          </a:prstGeom>
-          <a:noFill/>
-          <a:extLst>
-            <a:ext uri="{909E8E84-426E-40DD-AFC4-6F175D3DCCD1}">
-              <a14:hiddenFill xmlns:a14="http://schemas.microsoft.com/office/drawing/2010/main">
-                <a:solidFill>
-                  <a:srgbClr val="FFFFFF"/>
-                </a:solidFill>
-              </a14:hiddenFill>
-            </a:ext>
-          </a:extLst>
-        </p:spPr>
-      </p:pic>
-      <p:pic>
-        <p:nvPicPr>
-          <p:cNvPr id="1030" name="Picture 6" descr="Resultado de imagem para shakespeare">
-            <a:extLst>
-              <a:ext uri="{FF2B5EF4-FFF2-40B4-BE49-F238E27FC236}">
-                <a16:creationId xmlns:a16="http://schemas.microsoft.com/office/drawing/2014/main" id="{932CEA6B-FCEA-43CD-910F-6BE2F36488C6}"/>
-              </a:ext>
-            </a:extLst>
-          </p:cNvPr>
-          <p:cNvPicPr>
-            <a:picLocks noChangeAspect="1" noChangeArrowheads="1"/>
-          </p:cNvPicPr>
-          <p:nvPr/>
-        </p:nvPicPr>
-        <p:blipFill>
-          <a:blip r:embed="rId6">
-            <a:extLst>
-              <a:ext uri="{28A0092B-C50C-407E-A947-70E740481C1C}">
-                <a14:useLocalDpi xmlns:a14="http://schemas.microsoft.com/office/drawing/2010/main" val="0"/>
-              </a:ext>
-            </a:extLst>
-          </a:blip>
-          <a:srcRect/>
-          <a:stretch>
-            <a:fillRect/>
-          </a:stretch>
-        </p:blipFill>
-        <p:spPr bwMode="auto">
-          <a:xfrm>
-            <a:off x="4747" y="9260614"/>
-            <a:ext cx="2286000" cy="2943225"/>
-          </a:xfrm>
-          <a:prstGeom prst="rect">
-            <a:avLst/>
-          </a:prstGeom>
-          <a:noFill/>
-          <a:extLst>
-            <a:ext uri="{909E8E84-426E-40DD-AFC4-6F175D3DCCD1}">
-              <a14:hiddenFill xmlns:a14="http://schemas.microsoft.com/office/drawing/2010/main">
-                <a:solidFill>
-                  <a:srgbClr val="FFFFFF"/>
-                </a:solidFill>
-              </a14:hiddenFill>
-            </a:ext>
-          </a:extLst>
-        </p:spPr>
-      </p:pic>
+          </p:spPr>
+        </p:pic>
+      </p:grpSp>
       <p:pic>
         <p:nvPicPr>
           <p:cNvPr id="30" name="Imagem 29">
@@ -3824,7 +3777,7 @@
           <p:nvPr/>
         </p:nvPicPr>
         <p:blipFill>
-          <a:blip r:embed="rId7"/>
+          <a:blip r:embed="rId6"/>
           <a:stretch>
             <a:fillRect/>
           </a:stretch>
@@ -3833,36 +3786,6 @@
           <a:xfrm rot="20607155">
             <a:off x="6928436" y="6239180"/>
             <a:ext cx="2275368" cy="1020882"/>
-          </a:xfrm>
-          <a:prstGeom prst="rect">
-            <a:avLst/>
-          </a:prstGeom>
-        </p:spPr>
-      </p:pic>
-      <p:pic>
-        <p:nvPicPr>
-          <p:cNvPr id="1024" name="Imagem 1023">
-            <a:extLst>
-              <a:ext uri="{FF2B5EF4-FFF2-40B4-BE49-F238E27FC236}">
-                <a16:creationId xmlns:a16="http://schemas.microsoft.com/office/drawing/2014/main" id="{8AA0D0AF-C0FF-4F21-B542-3B9FB3D00F25}"/>
-              </a:ext>
-            </a:extLst>
-          </p:cNvPr>
-          <p:cNvPicPr>
-            <a:picLocks noChangeAspect="1"/>
-          </p:cNvPicPr>
-          <p:nvPr/>
-        </p:nvPicPr>
-        <p:blipFill>
-          <a:blip r:embed="rId8"/>
-          <a:stretch>
-            <a:fillRect/>
-          </a:stretch>
-        </p:blipFill>
-        <p:spPr>
-          <a:xfrm>
-            <a:off x="2923049" y="9134409"/>
-            <a:ext cx="3934952" cy="2382613"/>
           </a:xfrm>
           <a:prstGeom prst="rect">
             <a:avLst/>
@@ -3878,7 +3801,7 @@
           <p:nvPr/>
         </p:nvPicPr>
         <p:blipFill>
-          <a:blip r:embed="rId9">
+          <a:blip r:embed="rId7">
             <a:duotone>
               <a:schemeClr val="accent5">
                 <a:shade val="45000"/>
@@ -4131,19 +4054,19 @@
           <a:lstStyle/>
           <a:p>
             <a:r>
-              <a:rPr lang="pt-BR" dirty="0" smtClean="0">
+              <a:rPr lang="pt-BR" dirty="0">
                 <a:latin typeface="Ink Free" panose="03080402000500000000" pitchFamily="66" charset="0"/>
               </a:rPr>
               <a:t>X = -b      </a:t>
             </a:r>
             <a:r>
-              <a:rPr lang="pt-BR" dirty="0" err="1" smtClean="0">
+              <a:rPr lang="pt-BR" dirty="0" err="1">
                 <a:latin typeface="Ink Free" panose="03080402000500000000" pitchFamily="66" charset="0"/>
               </a:rPr>
               <a:t>b</a:t>
             </a:r>
             <a:r>
-              <a:rPr lang="pt-BR" dirty="0" smtClean="0">
+              <a:rPr lang="pt-BR" dirty="0">
                 <a:latin typeface="Ink Free" panose="03080402000500000000" pitchFamily="66" charset="0"/>
               </a:rPr>
               <a:t> – 4ac</a:t>
@@ -4151,14 +4074,11 @@
           </a:p>
           <a:p>
             <a:r>
-              <a:rPr lang="pt-BR" dirty="0" smtClean="0">
+              <a:rPr lang="pt-BR" dirty="0">
                 <a:latin typeface="Ink Free" panose="03080402000500000000" pitchFamily="66" charset="0"/>
               </a:rPr>
               <a:t>         2a</a:t>
             </a:r>
-            <a:endParaRPr lang="pt-BR" dirty="0">
-              <a:latin typeface="Ink Free" panose="03080402000500000000" pitchFamily="66" charset="0"/>
-            </a:endParaRPr>
           </a:p>
         </p:txBody>
       </p:sp>
@@ -4216,14 +4136,11 @@
           <a:lstStyle/>
           <a:p>
             <a:r>
-              <a:rPr lang="pt-BR" dirty="0" smtClean="0">
+              <a:rPr lang="pt-BR" dirty="0">
                 <a:latin typeface="Ink Free" panose="03080402000500000000" pitchFamily="66" charset="0"/>
               </a:rPr>
               <a:t>-</a:t>
             </a:r>
-            <a:endParaRPr lang="pt-BR" dirty="0">
-              <a:latin typeface="Ink Free" panose="03080402000500000000" pitchFamily="66" charset="0"/>
-            </a:endParaRPr>
           </a:p>
         </p:txBody>
       </p:sp>
@@ -4782,8 +4699,8 @@
         </p:nvSpPr>
         <p:spPr>
           <a:xfrm>
-            <a:off x="-4785147" y="2335883"/>
-            <a:ext cx="4649822" cy="1477328"/>
+            <a:off x="206118" y="3089993"/>
+            <a:ext cx="4915095" cy="1200329"/>
           </a:xfrm>
           <a:prstGeom prst="rect">
             <a:avLst/>
@@ -4797,7 +4714,7 @@
           <a:lstStyle/>
           <a:p>
             <a:r>
-              <a:rPr lang="pt-BR" dirty="0" smtClean="0">
+              <a:rPr lang="pt-BR" dirty="0">
                 <a:solidFill>
                   <a:srgbClr val="2E75B6"/>
                 </a:solidFill>
@@ -4805,12 +4722,6 @@
               </a:rPr>
               <a:t>Gameplay: o jogo funciona num ciclo de enigmas a serem resolvidos dentro das páginas de um caderno.  Cada enigma dará acesso a novas páginas ou a parte da solução de outro desafio.</a:t>
             </a:r>
-            <a:endParaRPr lang="pt-BR" dirty="0">
-              <a:solidFill>
-                <a:srgbClr val="2E75B6"/>
-              </a:solidFill>
-              <a:latin typeface="Ink Free" panose="03080402000500000000" pitchFamily="66" charset="0"/>
-            </a:endParaRPr>
           </a:p>
         </p:txBody>
       </p:sp>
@@ -4822,8 +4733,8 @@
         </p:nvSpPr>
         <p:spPr>
           <a:xfrm>
-            <a:off x="-4785147" y="4006663"/>
-            <a:ext cx="4649822" cy="2031325"/>
+            <a:off x="206118" y="4465856"/>
+            <a:ext cx="6651882" cy="1477328"/>
           </a:xfrm>
           <a:prstGeom prst="rect">
             <a:avLst/>
@@ -4837,7 +4748,7 @@
           <a:lstStyle/>
           <a:p>
             <a:r>
-              <a:rPr lang="pt-BR" dirty="0" smtClean="0">
+              <a:rPr lang="pt-BR" dirty="0">
                 <a:solidFill>
                   <a:srgbClr val="2E75B6"/>
                 </a:solidFill>
@@ -4848,7 +4759,7 @@
           </a:p>
           <a:p>
             <a:r>
-              <a:rPr lang="pt-BR" dirty="0" smtClean="0">
+              <a:rPr lang="pt-BR" dirty="0">
                 <a:solidFill>
                   <a:srgbClr val="2E75B6"/>
                 </a:solidFill>
@@ -4867,8 +4778,8 @@
         </p:nvSpPr>
         <p:spPr>
           <a:xfrm>
-            <a:off x="-4785147" y="6305703"/>
-            <a:ext cx="4649822" cy="1200329"/>
+            <a:off x="192326" y="6070274"/>
+            <a:ext cx="6723812" cy="923330"/>
           </a:xfrm>
           <a:prstGeom prst="rect">
             <a:avLst/>
@@ -4882,50 +4793,125 @@
           <a:lstStyle/>
           <a:p>
             <a:r>
-              <a:rPr lang="pt-BR" dirty="0" smtClean="0">
+              <a:rPr lang="pt-BR" dirty="0">
                 <a:solidFill>
                   <a:srgbClr val="2E75B6"/>
                 </a:solidFill>
                 <a:latin typeface="Ink Free" panose="03080402000500000000" pitchFamily="66" charset="0"/>
               </a:rPr>
-              <a:t>Controles: </a:t>
-            </a:r>
-            <a:r>
-              <a:rPr lang="pt-BR" dirty="0" smtClean="0">
-                <a:solidFill>
-                  <a:srgbClr val="2E75B6"/>
-                </a:solidFill>
-                <a:latin typeface="Ink Free" panose="03080402000500000000" pitchFamily="66" charset="0"/>
-              </a:rPr>
-              <a:t>o jogador </a:t>
-            </a:r>
-            <a:r>
-              <a:rPr lang="pt-BR" dirty="0" smtClean="0">
-                <a:solidFill>
-                  <a:srgbClr val="2E75B6"/>
-                </a:solidFill>
-                <a:latin typeface="Ink Free" panose="03080402000500000000" pitchFamily="66" charset="0"/>
-              </a:rPr>
-              <a:t>vai navegar e interagir com o jogo majoritariamente através do mouse. E e</a:t>
-            </a:r>
-            <a:r>
-              <a:rPr lang="pt-BR" dirty="0" smtClean="0">
-                <a:solidFill>
-                  <a:srgbClr val="2E75B6"/>
-                </a:solidFill>
-                <a:latin typeface="Ink Free" panose="03080402000500000000" pitchFamily="66" charset="0"/>
-              </a:rPr>
-              <a:t>m determinados pontos utilizando o teclado para digitação.</a:t>
-            </a:r>
-            <a:endParaRPr lang="pt-BR" dirty="0" smtClean="0">
-              <a:solidFill>
-                <a:srgbClr val="2E75B6"/>
-              </a:solidFill>
-              <a:latin typeface="Ink Free" panose="03080402000500000000" pitchFamily="66" charset="0"/>
-            </a:endParaRPr>
-          </a:p>
-        </p:txBody>
-      </p:sp>
+              <a:t>Controles: o jogador vai navegar e interagir com o jogo majoritariamente através do mouse. E em determinados pontos utilizando o teclado para digitação.</a:t>
+            </a:r>
+          </a:p>
+        </p:txBody>
+      </p:sp>
+      <p:pic>
+        <p:nvPicPr>
+          <p:cNvPr id="28" name="Imagem 27">
+            <a:extLst>
+              <a:ext uri="{FF2B5EF4-FFF2-40B4-BE49-F238E27FC236}">
+                <a16:creationId xmlns:a16="http://schemas.microsoft.com/office/drawing/2014/main" id="{E9DF375C-7B9A-46DF-B1A7-284F6F4EDCE4}"/>
+              </a:ext>
+            </a:extLst>
+          </p:cNvPr>
+          <p:cNvPicPr>
+            <a:picLocks noChangeAspect="1"/>
+          </p:cNvPicPr>
+          <p:nvPr/>
+        </p:nvPicPr>
+        <p:blipFill>
+          <a:blip r:embed="rId12">
+            <a:biLevel thresh="25000"/>
+            <a:alphaModFix amt="70000"/>
+          </a:blip>
+          <a:stretch>
+            <a:fillRect/>
+          </a:stretch>
+        </p:blipFill>
+        <p:spPr>
+          <a:xfrm>
+            <a:off x="2570117" y="9225478"/>
+            <a:ext cx="4287884" cy="2599321"/>
+          </a:xfrm>
+          <a:prstGeom prst="rect">
+            <a:avLst/>
+          </a:prstGeom>
+        </p:spPr>
+      </p:pic>
+      <p:pic>
+        <p:nvPicPr>
+          <p:cNvPr id="37" name="Imagem 36" descr="Uma imagem contendo pessoa, ao ar livre, foto, vestuário&#10;&#10;Descrição gerada automaticamente">
+            <a:extLst>
+              <a:ext uri="{FF2B5EF4-FFF2-40B4-BE49-F238E27FC236}">
+                <a16:creationId xmlns:a16="http://schemas.microsoft.com/office/drawing/2014/main" id="{733D0619-CB0B-4CC9-A255-DB842A8275B4}"/>
+              </a:ext>
+            </a:extLst>
+          </p:cNvPr>
+          <p:cNvPicPr>
+            <a:picLocks noChangeAspect="1"/>
+          </p:cNvPicPr>
+          <p:nvPr/>
+        </p:nvPicPr>
+        <p:blipFill>
+          <a:blip r:embed="rId13">
+            <a:extLst>
+              <a:ext uri="{BEBA8EAE-BF5A-486C-A8C5-ECC9F3942E4B}">
+                <a14:imgProps xmlns:a14="http://schemas.microsoft.com/office/drawing/2010/main">
+                  <a14:imgLayer r:embed="rId14">
+                    <a14:imgEffect>
+                      <a14:artisticPencilGrayscale/>
+                    </a14:imgEffect>
+                    <a14:imgEffect>
+                      <a14:saturation sat="33000"/>
+                    </a14:imgEffect>
+                  </a14:imgLayer>
+                </a14:imgProps>
+              </a:ext>
+            </a:extLst>
+          </a:blip>
+          <a:stretch>
+            <a:fillRect/>
+          </a:stretch>
+        </p:blipFill>
+        <p:spPr>
+          <a:xfrm>
+            <a:off x="-972259" y="7610863"/>
+            <a:ext cx="5044079" cy="3850442"/>
+          </a:xfrm>
+          <a:prstGeom prst="rect">
+            <a:avLst/>
+          </a:prstGeom>
+        </p:spPr>
+      </p:pic>
+      <p:pic>
+        <p:nvPicPr>
+          <p:cNvPr id="39" name="Imagem 38" descr="Uma imagem contendo pessoa, ao ar livre, foto, vestuário&#10;&#10;Descrição gerada automaticamente">
+            <a:extLst>
+              <a:ext uri="{FF2B5EF4-FFF2-40B4-BE49-F238E27FC236}">
+                <a16:creationId xmlns:a16="http://schemas.microsoft.com/office/drawing/2014/main" id="{0CCBD665-5C54-4248-B75C-733C55E30011}"/>
+              </a:ext>
+            </a:extLst>
+          </p:cNvPr>
+          <p:cNvPicPr>
+            <a:picLocks noChangeAspect="1"/>
+          </p:cNvPicPr>
+          <p:nvPr/>
+        </p:nvPicPr>
+        <p:blipFill>
+          <a:blip r:embed="rId15"/>
+          <a:stretch>
+            <a:fillRect/>
+          </a:stretch>
+        </p:blipFill>
+        <p:spPr>
+          <a:xfrm>
+            <a:off x="-4518148" y="7381304"/>
+            <a:ext cx="4824732" cy="3683002"/>
+          </a:xfrm>
+          <a:prstGeom prst="rect">
+            <a:avLst/>
+          </a:prstGeom>
+        </p:spPr>
+      </p:pic>
     </p:spTree>
     <p:extLst>
       <p:ext uri="{BB962C8B-B14F-4D97-AF65-F5344CB8AC3E}">
@@ -4936,13 +4922,6 @@
   <p:clrMapOvr>
     <a:masterClrMapping/>
   </p:clrMapOvr>
-  <p:timing>
-    <p:tnLst>
-      <p:par>
-        <p:cTn id="1" dur="indefinite" restart="never" nodeType="tmRoot"/>
-      </p:par>
-    </p:tnLst>
-  </p:timing>
 </p:sld>
 </file>
 

--- a/OSP.pptx
+++ b/OSP.pptx
@@ -4699,7 +4699,7 @@
         </p:nvSpPr>
         <p:spPr>
           <a:xfrm>
-            <a:off x="206118" y="3089993"/>
+            <a:off x="206118" y="3090751"/>
             <a:ext cx="4915095" cy="1200329"/>
           </a:xfrm>
           <a:prstGeom prst="rect">
@@ -4720,7 +4720,33 @@
                 </a:solidFill>
                 <a:latin typeface="Ink Free" panose="03080402000500000000" pitchFamily="66" charset="0"/>
               </a:rPr>
-              <a:t>Gameplay: o jogo funciona num ciclo de enigmas a serem resolvidos dentro das páginas de um caderno.  Cada enigma dará acesso a novas páginas ou a parte da solução de outro desafio.</a:t>
+              <a:t>Gameplay: o jogo funciona num ciclo de enigmas </a:t>
+            </a:r>
+            <a:endParaRPr lang="pt-BR" dirty="0" smtClean="0">
+              <a:solidFill>
+                <a:srgbClr val="2E75B6"/>
+              </a:solidFill>
+              <a:latin typeface="Ink Free" panose="03080402000500000000" pitchFamily="66" charset="0"/>
+            </a:endParaRPr>
+          </a:p>
+          <a:p>
+            <a:r>
+              <a:rPr lang="pt-BR" dirty="0" smtClean="0">
+                <a:solidFill>
+                  <a:srgbClr val="2E75B6"/>
+                </a:solidFill>
+                <a:latin typeface="Ink Free" panose="03080402000500000000" pitchFamily="66" charset="0"/>
+              </a:rPr>
+              <a:t>a </a:t>
+            </a:r>
+            <a:r>
+              <a:rPr lang="pt-BR" dirty="0">
+                <a:solidFill>
+                  <a:srgbClr val="2E75B6"/>
+                </a:solidFill>
+                <a:latin typeface="Ink Free" panose="03080402000500000000" pitchFamily="66" charset="0"/>
+              </a:rPr>
+              <a:t>serem resolvidos dentro das páginas de um caderno.  Cada enigma dará acesso a novas páginas ou a parte da solução de outro desafio.</a:t>
             </a:r>
           </a:p>
         </p:txBody>
@@ -4874,7 +4900,7 @@
         </p:blipFill>
         <p:spPr>
           <a:xfrm>
-            <a:off x="-972259" y="7610863"/>
+            <a:off x="-4976517" y="3188581"/>
             <a:ext cx="5044079" cy="3850442"/>
           </a:xfrm>
           <a:prstGeom prst="rect">
@@ -4912,6 +4938,43 @@
           </a:prstGeom>
         </p:spPr>
       </p:pic>
+      <p:pic>
+        <p:nvPicPr>
+          <p:cNvPr id="24" name="Imagem 23"/>
+          <p:cNvPicPr>
+            <a:picLocks noChangeAspect="1"/>
+          </p:cNvPicPr>
+          <p:nvPr/>
+        </p:nvPicPr>
+        <p:blipFill>
+          <a:blip r:embed="rId16">
+            <a:duotone>
+              <a:schemeClr val="accent5">
+                <a:shade val="45000"/>
+                <a:satMod val="135000"/>
+              </a:schemeClr>
+              <a:prstClr val="white"/>
+            </a:duotone>
+            <a:extLst>
+              <a:ext uri="{28A0092B-C50C-407E-A947-70E740481C1C}">
+                <a14:useLocalDpi xmlns:a14="http://schemas.microsoft.com/office/drawing/2010/main" val="0"/>
+              </a:ext>
+            </a:extLst>
+          </a:blip>
+          <a:stretch>
+            <a:fillRect/>
+          </a:stretch>
+        </p:blipFill>
+        <p:spPr>
+          <a:xfrm>
+            <a:off x="134297" y="7814400"/>
+            <a:ext cx="3030010" cy="4282699"/>
+          </a:xfrm>
+          <a:prstGeom prst="rect">
+            <a:avLst/>
+          </a:prstGeom>
+        </p:spPr>
+      </p:pic>
     </p:spTree>
     <p:extLst>
       <p:ext uri="{BB962C8B-B14F-4D97-AF65-F5344CB8AC3E}">
@@ -4922,6 +4985,13 @@
   <p:clrMapOvr>
     <a:masterClrMapping/>
   </p:clrMapOvr>
+  <p:timing>
+    <p:tnLst>
+      <p:par>
+        <p:cTn id="1" dur="indefinite" restart="never" nodeType="tmRoot"/>
+      </p:par>
+    </p:tnLst>
+  </p:timing>
 </p:sld>
 </file>
 
